--- a/images/theory_analysis/NoSQL_Column-oriented_Column_Family_DB/NoSQL_Column-oriented_Column_Family_DB.pptx
+++ b/images/theory_analysis/NoSQL_Column-oriented_Column_Family_DB/NoSQL_Column-oriented_Column_Family_DB.pptx
@@ -5,10 +5,11 @@
     <p:sldMasterId id="2147483648" r:id="rId1"/>
   </p:sldMasterIdLst>
   <p:notesMasterIdLst>
-    <p:notesMasterId r:id="rId3"/>
+    <p:notesMasterId r:id="rId4"/>
   </p:notesMasterIdLst>
   <p:sldIdLst>
     <p:sldId id="421" r:id="rId2"/>
+    <p:sldId id="422" r:id="rId3"/>
   </p:sldIdLst>
   <p:sldSz cx="9144000" cy="5143500" type="screen16x9"/>
   <p:notesSz cx="6858000" cy="9144000"/>
@@ -109,7 +110,7 @@
   </p:defaultTextStyle>
   <p:extLst>
     <p:ext uri="{EFAFB233-063F-42B5-8137-9DF3F51BA10A}">
-      <p15:sldGuideLst xmlns="" xmlns:p15="http://schemas.microsoft.com/office/powerpoint/2012/main">
+      <p15:sldGuideLst xmlns:p15="http://schemas.microsoft.com/office/powerpoint/2012/main">
         <p15:guide id="1" orient="horz" pos="2160">
           <p15:clr>
             <a:srgbClr val="A4A3A4"/>
@@ -213,7 +214,7 @@
           <a:p>
             <a:fld id="{6CD5550B-26C4-49A9-A5BA-636EF7BE6CE9}" type="datetimeFigureOut">
               <a:rPr lang="ko-KR" altLang="en-US" smtClean="0"/>
-              <a:t>2018-09-07</a:t>
+              <a:t>2018-09-09</a:t>
             </a:fld>
             <a:endParaRPr lang="ko-KR" altLang="en-US"/>
           </a:p>
@@ -564,6 +565,90 @@
 </p:notes>
 </file>
 
+<file path=ppt/notesSlides/notesSlide2.xml><?xml version="1.0" encoding="utf-8"?>
+<p:notes xmlns:a="http://schemas.openxmlformats.org/drawingml/2006/main" xmlns:r="http://schemas.openxmlformats.org/officeDocument/2006/relationships" xmlns:p="http://schemas.openxmlformats.org/presentationml/2006/main">
+  <p:cSld>
+    <p:spTree>
+      <p:nvGrpSpPr>
+        <p:cNvPr id="1" name=""/>
+        <p:cNvGrpSpPr/>
+        <p:nvPr/>
+      </p:nvGrpSpPr>
+      <p:grpSpPr>
+        <a:xfrm>
+          <a:off x="0" y="0"/>
+          <a:ext cx="0" cy="0"/>
+          <a:chOff x="0" y="0"/>
+          <a:chExt cx="0" cy="0"/>
+        </a:xfrm>
+      </p:grpSpPr>
+      <p:sp>
+        <p:nvSpPr>
+          <p:cNvPr id="2" name="슬라이드 이미지 개체 틀 1"/>
+          <p:cNvSpPr>
+            <a:spLocks noGrp="1" noRot="1" noChangeAspect="1"/>
+          </p:cNvSpPr>
+          <p:nvPr>
+            <p:ph type="sldImg"/>
+          </p:nvPr>
+        </p:nvSpPr>
+        <p:spPr/>
+      </p:sp>
+      <p:sp>
+        <p:nvSpPr>
+          <p:cNvPr id="3" name="슬라이드 노트 개체 틀 2"/>
+          <p:cNvSpPr>
+            <a:spLocks noGrp="1"/>
+          </p:cNvSpPr>
+          <p:nvPr>
+            <p:ph type="body" idx="1"/>
+          </p:nvPr>
+        </p:nvSpPr>
+        <p:spPr/>
+        <p:txBody>
+          <a:bodyPr/>
+          <a:lstStyle/>
+          <a:p>
+            <a:endParaRPr lang="ko-KR" altLang="en-US"/>
+          </a:p>
+        </p:txBody>
+      </p:sp>
+      <p:sp>
+        <p:nvSpPr>
+          <p:cNvPr id="4" name="슬라이드 번호 개체 틀 3"/>
+          <p:cNvSpPr>
+            <a:spLocks noGrp="1"/>
+          </p:cNvSpPr>
+          <p:nvPr>
+            <p:ph type="sldNum" sz="quarter" idx="10"/>
+          </p:nvPr>
+        </p:nvSpPr>
+        <p:spPr/>
+        <p:txBody>
+          <a:bodyPr/>
+          <a:lstStyle/>
+          <a:p>
+            <a:fld id="{BA5DFA43-8D57-47FB-BC46-057616015C3B}" type="slidenum">
+              <a:rPr lang="ko-KR" altLang="en-US" smtClean="0"/>
+              <a:t>2</a:t>
+            </a:fld>
+            <a:endParaRPr lang="ko-KR" altLang="en-US"/>
+          </a:p>
+        </p:txBody>
+      </p:sp>
+    </p:spTree>
+    <p:extLst>
+      <p:ext uri="{BB962C8B-B14F-4D97-AF65-F5344CB8AC3E}">
+        <p14:creationId xmlns:p14="http://schemas.microsoft.com/office/powerpoint/2010/main" val="415612737"/>
+      </p:ext>
+    </p:extLst>
+  </p:cSld>
+  <p:clrMapOvr>
+    <a:masterClrMapping/>
+  </p:clrMapOvr>
+</p:notes>
+</file>
+
 <file path=ppt/slideLayouts/slideLayout1.xml><?xml version="1.0" encoding="utf-8"?>
 <p:sldLayout xmlns:a="http://schemas.openxmlformats.org/drawingml/2006/main" xmlns:r="http://schemas.openxmlformats.org/officeDocument/2006/relationships" xmlns:p="http://schemas.openxmlformats.org/presentationml/2006/main" type="title" preserve="1">
   <p:cSld name="제목 슬라이드">
@@ -743,7 +828,7 @@
           <a:p>
             <a:fld id="{FB30EDBD-1C2D-4C1E-B459-B60219FAB484}" type="datetimeFigureOut">
               <a:rPr lang="ko-KR" altLang="en-US" smtClean="0"/>
-              <a:t>2018-09-07</a:t>
+              <a:t>2018-09-09</a:t>
             </a:fld>
             <a:endParaRPr lang="ko-KR" altLang="en-US"/>
           </a:p>
@@ -906,7 +991,7 @@
           <a:p>
             <a:fld id="{FB30EDBD-1C2D-4C1E-B459-B60219FAB484}" type="datetimeFigureOut">
               <a:rPr lang="ko-KR" altLang="en-US" smtClean="0"/>
-              <a:t>2018-09-07</a:t>
+              <a:t>2018-09-09</a:t>
             </a:fld>
             <a:endParaRPr lang="ko-KR" altLang="en-US"/>
           </a:p>
@@ -1079,7 +1164,7 @@
           <a:p>
             <a:fld id="{FB30EDBD-1C2D-4C1E-B459-B60219FAB484}" type="datetimeFigureOut">
               <a:rPr lang="ko-KR" altLang="en-US" smtClean="0"/>
-              <a:t>2018-09-07</a:t>
+              <a:t>2018-09-09</a:t>
             </a:fld>
             <a:endParaRPr lang="ko-KR" altLang="en-US"/>
           </a:p>
@@ -1242,7 +1327,7 @@
           <a:p>
             <a:fld id="{FB30EDBD-1C2D-4C1E-B459-B60219FAB484}" type="datetimeFigureOut">
               <a:rPr lang="ko-KR" altLang="en-US" smtClean="0"/>
-              <a:t>2018-09-07</a:t>
+              <a:t>2018-09-09</a:t>
             </a:fld>
             <a:endParaRPr lang="ko-KR" altLang="en-US"/>
           </a:p>
@@ -1482,7 +1567,7 @@
           <a:p>
             <a:fld id="{FB30EDBD-1C2D-4C1E-B459-B60219FAB484}" type="datetimeFigureOut">
               <a:rPr lang="ko-KR" altLang="en-US" smtClean="0"/>
-              <a:t>2018-09-07</a:t>
+              <a:t>2018-09-09</a:t>
             </a:fld>
             <a:endParaRPr lang="ko-KR" altLang="en-US"/>
           </a:p>
@@ -1762,7 +1847,7 @@
           <a:p>
             <a:fld id="{FB30EDBD-1C2D-4C1E-B459-B60219FAB484}" type="datetimeFigureOut">
               <a:rPr lang="ko-KR" altLang="en-US" smtClean="0"/>
-              <a:t>2018-09-07</a:t>
+              <a:t>2018-09-09</a:t>
             </a:fld>
             <a:endParaRPr lang="ko-KR" altLang="en-US"/>
           </a:p>
@@ -2176,7 +2261,7 @@
           <a:p>
             <a:fld id="{FB30EDBD-1C2D-4C1E-B459-B60219FAB484}" type="datetimeFigureOut">
               <a:rPr lang="ko-KR" altLang="en-US" smtClean="0"/>
-              <a:t>2018-09-07</a:t>
+              <a:t>2018-09-09</a:t>
             </a:fld>
             <a:endParaRPr lang="ko-KR" altLang="en-US"/>
           </a:p>
@@ -2288,7 +2373,7 @@
           <a:p>
             <a:fld id="{FB30EDBD-1C2D-4C1E-B459-B60219FAB484}" type="datetimeFigureOut">
               <a:rPr lang="ko-KR" altLang="en-US" smtClean="0"/>
-              <a:t>2018-09-07</a:t>
+              <a:t>2018-09-09</a:t>
             </a:fld>
             <a:endParaRPr lang="ko-KR" altLang="en-US"/>
           </a:p>
@@ -2378,7 +2463,7 @@
           <a:p>
             <a:fld id="{FB30EDBD-1C2D-4C1E-B459-B60219FAB484}" type="datetimeFigureOut">
               <a:rPr lang="ko-KR" altLang="en-US" smtClean="0"/>
-              <a:t>2018-09-07</a:t>
+              <a:t>2018-09-09</a:t>
             </a:fld>
             <a:endParaRPr lang="ko-KR" altLang="en-US"/>
           </a:p>
@@ -2648,7 +2733,7 @@
           <a:p>
             <a:fld id="{FB30EDBD-1C2D-4C1E-B459-B60219FAB484}" type="datetimeFigureOut">
               <a:rPr lang="ko-KR" altLang="en-US" smtClean="0"/>
-              <a:t>2018-09-07</a:t>
+              <a:t>2018-09-09</a:t>
             </a:fld>
             <a:endParaRPr lang="ko-KR" altLang="en-US"/>
           </a:p>
@@ -2895,7 +2980,7 @@
           <a:p>
             <a:fld id="{FB30EDBD-1C2D-4C1E-B459-B60219FAB484}" type="datetimeFigureOut">
               <a:rPr lang="ko-KR" altLang="en-US" smtClean="0"/>
-              <a:t>2018-09-07</a:t>
+              <a:t>2018-09-09</a:t>
             </a:fld>
             <a:endParaRPr lang="ko-KR" altLang="en-US"/>
           </a:p>
@@ -3101,7 +3186,7 @@
           <a:p>
             <a:fld id="{FB30EDBD-1C2D-4C1E-B459-B60219FAB484}" type="datetimeFigureOut">
               <a:rPr lang="ko-KR" altLang="en-US" smtClean="0"/>
-              <a:t>2018-09-07</a:t>
+              <a:t>2018-09-09</a:t>
             </a:fld>
             <a:endParaRPr lang="ko-KR" altLang="en-US"/>
           </a:p>
@@ -3476,7 +3561,7 @@
           <p:cNvPr id="2" name="제목 1">
             <a:extLst>
               <a:ext uri="{FF2B5EF4-FFF2-40B4-BE49-F238E27FC236}">
-                <a16:creationId xmlns="" xmlns:a16="http://schemas.microsoft.com/office/drawing/2014/main" id="{8738443D-5E72-49E2-86AC-581D61C41C39}"/>
+                <a16:creationId xmlns:a16="http://schemas.microsoft.com/office/drawing/2014/main" id="{8738443D-5E72-49E2-86AC-581D61C41C39}"/>
               </a:ext>
             </a:extLst>
           </p:cNvPr>
@@ -3498,7 +3583,7 @@
           <a:lstStyle/>
           <a:p>
             <a:r>
-              <a:rPr lang="en-US" altLang="ko-KR" dirty="0" smtClean="0"/>
+              <a:rPr lang="en-US" altLang="ko-KR" dirty="0"/>
               <a:t>Column-oriented</a:t>
             </a:r>
             <a:endParaRPr lang="ko-KR" altLang="en-US" dirty="0"/>
@@ -3530,7 +3615,13 @@
                 <a:tableStyleId>{5940675A-B579-460E-94D1-54222C63F5DA}</a:tableStyleId>
               </a:tblPr>
               <a:tblGrid>
-                <a:gridCol w="936104"/>
+                <a:gridCol w="936104">
+                  <a:extLst>
+                    <a:ext uri="{9D8B030D-6E8A-4147-A177-3AD203B41FA5}">
+                      <a16:colId xmlns:a16="http://schemas.microsoft.com/office/drawing/2014/main" val="20000"/>
+                    </a:ext>
+                  </a:extLst>
+                </a:gridCol>
               </a:tblGrid>
               <a:tr h="285031">
                 <a:tc>
@@ -3540,11 +3631,11 @@
                     <a:p>
                       <a:pPr algn="ctr" latinLnBrk="1"/>
                       <a:r>
-                        <a:rPr lang="en-US" altLang="ko-KR" sz="900" b="1" dirty="0" smtClean="0"/>
+                        <a:rPr lang="en-US" altLang="ko-KR" sz="900" b="1" dirty="0"/>
                         <a:t>First</a:t>
                       </a:r>
                       <a:r>
-                        <a:rPr lang="en-US" altLang="ko-KR" sz="1000" b="1" dirty="0" smtClean="0"/>
+                        <a:rPr lang="en-US" altLang="ko-KR" sz="1000" b="1" dirty="0"/>
                         <a:t> Name</a:t>
                       </a:r>
                       <a:endParaRPr lang="ko-KR" altLang="en-US" sz="1000" b="1" dirty="0"/>
@@ -3552,6 +3643,11 @@
                   </a:txBody>
                   <a:tcPr anchor="ctr"/>
                 </a:tc>
+                <a:extLst>
+                  <a:ext uri="{0D108BD9-81ED-4DB2-BD59-A6C34878D82A}">
+                    <a16:rowId xmlns:a16="http://schemas.microsoft.com/office/drawing/2014/main" val="10000"/>
+                  </a:ext>
+                </a:extLst>
               </a:tr>
               <a:tr h="285031">
                 <a:tc>
@@ -3561,7 +3657,7 @@
                     <a:p>
                       <a:pPr algn="ctr" latinLnBrk="1"/>
                       <a:r>
-                        <a:rPr lang="en-US" altLang="ko-KR" sz="1000" dirty="0" err="1" smtClean="0"/>
+                        <a:rPr lang="en-US" altLang="ko-KR" sz="1000" dirty="0" err="1"/>
                         <a:t>Tweety</a:t>
                       </a:r>
                       <a:endParaRPr lang="ko-KR" altLang="en-US" sz="1000" dirty="0"/>
@@ -3569,6 +3665,11 @@
                   </a:txBody>
                   <a:tcPr anchor="ctr"/>
                 </a:tc>
+                <a:extLst>
+                  <a:ext uri="{0D108BD9-81ED-4DB2-BD59-A6C34878D82A}">
+                    <a16:rowId xmlns:a16="http://schemas.microsoft.com/office/drawing/2014/main" val="10001"/>
+                  </a:ext>
+                </a:extLst>
               </a:tr>
               <a:tr h="285031">
                 <a:tc>
@@ -3578,7 +3679,7 @@
                     <a:p>
                       <a:pPr algn="ctr" latinLnBrk="1"/>
                       <a:r>
-                        <a:rPr lang="en-US" altLang="ko-KR" sz="1000" dirty="0" smtClean="0"/>
+                        <a:rPr lang="en-US" altLang="ko-KR" sz="1000" dirty="0"/>
                         <a:t>Bat</a:t>
                       </a:r>
                       <a:endParaRPr lang="ko-KR" altLang="en-US" sz="1000" dirty="0"/>
@@ -3586,6 +3687,11 @@
                   </a:txBody>
                   <a:tcPr anchor="ctr"/>
                 </a:tc>
+                <a:extLst>
+                  <a:ext uri="{0D108BD9-81ED-4DB2-BD59-A6C34878D82A}">
+                    <a16:rowId xmlns:a16="http://schemas.microsoft.com/office/drawing/2014/main" val="10002"/>
+                  </a:ext>
+                </a:extLst>
               </a:tr>
               <a:tr h="285031">
                 <a:tc>
@@ -3595,7 +3701,7 @@
                     <a:p>
                       <a:pPr algn="ctr" latinLnBrk="1"/>
                       <a:r>
-                        <a:rPr lang="en-US" altLang="ko-KR" sz="1000" dirty="0" smtClean="0"/>
+                        <a:rPr lang="en-US" altLang="ko-KR" sz="1000" dirty="0"/>
                         <a:t>Donald</a:t>
                       </a:r>
                       <a:endParaRPr lang="ko-KR" altLang="en-US" sz="1000" dirty="0"/>
@@ -3603,6 +3709,11 @@
                   </a:txBody>
                   <a:tcPr anchor="ctr"/>
                 </a:tc>
+                <a:extLst>
+                  <a:ext uri="{0D108BD9-81ED-4DB2-BD59-A6C34878D82A}">
+                    <a16:rowId xmlns:a16="http://schemas.microsoft.com/office/drawing/2014/main" val="10003"/>
+                  </a:ext>
+                </a:extLst>
               </a:tr>
               <a:tr h="285031">
                 <a:tc>
@@ -3612,7 +3723,7 @@
                     <a:p>
                       <a:pPr algn="ctr" latinLnBrk="1"/>
                       <a:r>
-                        <a:rPr lang="en-US" altLang="ko-KR" sz="1000" dirty="0" smtClean="0"/>
+                        <a:rPr lang="en-US" altLang="ko-KR" sz="1000" dirty="0"/>
                         <a:t>Wonder</a:t>
                       </a:r>
                       <a:endParaRPr lang="ko-KR" altLang="en-US" sz="1000" dirty="0"/>
@@ -3620,6 +3731,11 @@
                   </a:txBody>
                   <a:tcPr anchor="ctr"/>
                 </a:tc>
+                <a:extLst>
+                  <a:ext uri="{0D108BD9-81ED-4DB2-BD59-A6C34878D82A}">
+                    <a16:rowId xmlns:a16="http://schemas.microsoft.com/office/drawing/2014/main" val="10004"/>
+                  </a:ext>
+                </a:extLst>
               </a:tr>
             </a:tbl>
           </a:graphicData>
@@ -3634,7 +3750,7 @@
           <p:nvPr>
             <p:extLst>
               <p:ext uri="{D42A27DB-BD31-4B8C-83A1-F6EECF244321}">
-                <p14:modId xmlns:p14="http://schemas.microsoft.com/office/powerpoint/2010/main" val="1440194839"/>
+                <p14:modId xmlns:p14="http://schemas.microsoft.com/office/powerpoint/2010/main" val="1507683838"/>
               </p:ext>
             </p:extLst>
           </p:nvPr>
@@ -3650,7 +3766,13 @@
                 <a:tableStyleId>{5940675A-B579-460E-94D1-54222C63F5DA}</a:tableStyleId>
               </a:tblPr>
               <a:tblGrid>
-                <a:gridCol w="936104"/>
+                <a:gridCol w="936104">
+                  <a:extLst>
+                    <a:ext uri="{9D8B030D-6E8A-4147-A177-3AD203B41FA5}">
+                      <a16:colId xmlns:a16="http://schemas.microsoft.com/office/drawing/2014/main" val="20000"/>
+                    </a:ext>
+                  </a:extLst>
+                </a:gridCol>
               </a:tblGrid>
               <a:tr h="285031">
                 <a:tc>
@@ -3660,14 +3782,19 @@
                     <a:p>
                       <a:pPr algn="ctr" latinLnBrk="1"/>
                       <a:r>
-                        <a:rPr lang="en-US" altLang="ko-KR" sz="1000" b="1" dirty="0" smtClean="0"/>
-                        <a:t>Last Name</a:t>
+                        <a:rPr lang="en-US" altLang="ko-KR" sz="1000" b="1"/>
+                        <a:t>Gender</a:t>
                       </a:r>
                       <a:endParaRPr lang="ko-KR" altLang="en-US" sz="1000" b="1" dirty="0"/>
                     </a:p>
                   </a:txBody>
                   <a:tcPr anchor="ctr"/>
                 </a:tc>
+                <a:extLst>
+                  <a:ext uri="{0D108BD9-81ED-4DB2-BD59-A6C34878D82A}">
+                    <a16:rowId xmlns:a16="http://schemas.microsoft.com/office/drawing/2014/main" val="10000"/>
+                  </a:ext>
+                </a:extLst>
               </a:tr>
               <a:tr h="285031">
                 <a:tc>
@@ -3677,14 +3804,19 @@
                     <a:p>
                       <a:pPr algn="ctr" latinLnBrk="1"/>
                       <a:r>
-                        <a:rPr lang="en-US" altLang="ko-KR" sz="1000" dirty="0" smtClean="0"/>
-                        <a:t>Bird</a:t>
+                        <a:rPr lang="en-US" altLang="ko-KR" sz="1000"/>
+                        <a:t>Female</a:t>
                       </a:r>
                       <a:endParaRPr lang="ko-KR" altLang="en-US" sz="1000" dirty="0"/>
                     </a:p>
                   </a:txBody>
                   <a:tcPr anchor="ctr"/>
                 </a:tc>
+                <a:extLst>
+                  <a:ext uri="{0D108BD9-81ED-4DB2-BD59-A6C34878D82A}">
+                    <a16:rowId xmlns:a16="http://schemas.microsoft.com/office/drawing/2014/main" val="10001"/>
+                  </a:ext>
+                </a:extLst>
               </a:tr>
               <a:tr h="285031">
                 <a:tc>
@@ -3694,14 +3826,19 @@
                     <a:p>
                       <a:pPr algn="ctr" latinLnBrk="1"/>
                       <a:r>
-                        <a:rPr lang="en-US" altLang="ko-KR" sz="1000" dirty="0" smtClean="0"/>
-                        <a:t>Man</a:t>
+                        <a:rPr lang="en-US" altLang="ko-KR" sz="1000"/>
+                        <a:t>Male</a:t>
                       </a:r>
                       <a:endParaRPr lang="ko-KR" altLang="en-US" sz="1000" dirty="0"/>
                     </a:p>
                   </a:txBody>
                   <a:tcPr anchor="ctr"/>
                 </a:tc>
+                <a:extLst>
+                  <a:ext uri="{0D108BD9-81ED-4DB2-BD59-A6C34878D82A}">
+                    <a16:rowId xmlns:a16="http://schemas.microsoft.com/office/drawing/2014/main" val="10002"/>
+                  </a:ext>
+                </a:extLst>
               </a:tr>
               <a:tr h="285031">
                 <a:tc>
@@ -3711,14 +3848,19 @@
                     <a:p>
                       <a:pPr algn="ctr" latinLnBrk="1"/>
                       <a:r>
-                        <a:rPr lang="en-US" altLang="ko-KR" sz="1000" dirty="0" smtClean="0"/>
-                        <a:t>Duck</a:t>
+                        <a:rPr lang="en-US" altLang="ko-KR" sz="1000"/>
+                        <a:t>Male</a:t>
                       </a:r>
                       <a:endParaRPr lang="ko-KR" altLang="en-US" sz="1000" dirty="0"/>
                     </a:p>
                   </a:txBody>
                   <a:tcPr anchor="ctr"/>
                 </a:tc>
+                <a:extLst>
+                  <a:ext uri="{0D108BD9-81ED-4DB2-BD59-A6C34878D82A}">
+                    <a16:rowId xmlns:a16="http://schemas.microsoft.com/office/drawing/2014/main" val="10003"/>
+                  </a:ext>
+                </a:extLst>
               </a:tr>
               <a:tr h="285031">
                 <a:tc>
@@ -3728,14 +3870,19 @@
                     <a:p>
                       <a:pPr algn="ctr" latinLnBrk="1"/>
                       <a:r>
-                        <a:rPr lang="en-US" altLang="ko-KR" sz="1000" dirty="0" smtClean="0"/>
-                        <a:t>Woman</a:t>
+                        <a:rPr lang="en-US" altLang="ko-KR" sz="1000"/>
+                        <a:t>Female</a:t>
                       </a:r>
                       <a:endParaRPr lang="ko-KR" altLang="en-US" sz="1000" dirty="0"/>
                     </a:p>
                   </a:txBody>
                   <a:tcPr anchor="ctr"/>
                 </a:tc>
+                <a:extLst>
+                  <a:ext uri="{0D108BD9-81ED-4DB2-BD59-A6C34878D82A}">
+                    <a16:rowId xmlns:a16="http://schemas.microsoft.com/office/drawing/2014/main" val="10004"/>
+                  </a:ext>
+                </a:extLst>
               </a:tr>
             </a:tbl>
           </a:graphicData>
@@ -3766,7 +3913,13 @@
                 <a:tableStyleId>{5940675A-B579-460E-94D1-54222C63F5DA}</a:tableStyleId>
               </a:tblPr>
               <a:tblGrid>
-                <a:gridCol w="1008112"/>
+                <a:gridCol w="1008112">
+                  <a:extLst>
+                    <a:ext uri="{9D8B030D-6E8A-4147-A177-3AD203B41FA5}">
+                      <a16:colId xmlns:a16="http://schemas.microsoft.com/office/drawing/2014/main" val="20000"/>
+                    </a:ext>
+                  </a:extLst>
+                </a:gridCol>
               </a:tblGrid>
               <a:tr h="285031">
                 <a:tc>
@@ -3776,7 +3929,7 @@
                     <a:p>
                       <a:pPr algn="ctr" latinLnBrk="1"/>
                       <a:r>
-                        <a:rPr lang="en-US" altLang="ko-KR" sz="1000" b="1" dirty="0" smtClean="0"/>
+                        <a:rPr lang="en-US" altLang="ko-KR" sz="1000" b="1" dirty="0"/>
                         <a:t>Address</a:t>
                       </a:r>
                       <a:endParaRPr lang="ko-KR" altLang="en-US" sz="1000" b="1" dirty="0"/>
@@ -3784,6 +3937,11 @@
                   </a:txBody>
                   <a:tcPr anchor="ctr"/>
                 </a:tc>
+                <a:extLst>
+                  <a:ext uri="{0D108BD9-81ED-4DB2-BD59-A6C34878D82A}">
+                    <a16:rowId xmlns:a16="http://schemas.microsoft.com/office/drawing/2014/main" val="10000"/>
+                  </a:ext>
+                </a:extLst>
               </a:tr>
               <a:tr h="285031">
                 <a:tc>
@@ -3793,11 +3951,11 @@
                     <a:p>
                       <a:pPr algn="ctr" latinLnBrk="1"/>
                       <a:r>
-                        <a:rPr lang="en-US" altLang="ko-KR" sz="1000" dirty="0" smtClean="0"/>
+                        <a:rPr lang="en-US" altLang="ko-KR" sz="1000" dirty="0"/>
                         <a:t>Acme</a:t>
                       </a:r>
                       <a:r>
-                        <a:rPr lang="en-US" altLang="ko-KR" sz="1000" baseline="0" dirty="0" smtClean="0"/>
+                        <a:rPr lang="en-US" altLang="ko-KR" sz="1000" baseline="0" dirty="0"/>
                         <a:t> Way</a:t>
                       </a:r>
                       <a:endParaRPr lang="ko-KR" altLang="en-US" sz="1000" dirty="0"/>
@@ -3805,6 +3963,11 @@
                   </a:txBody>
                   <a:tcPr anchor="ctr"/>
                 </a:tc>
+                <a:extLst>
+                  <a:ext uri="{0D108BD9-81ED-4DB2-BD59-A6C34878D82A}">
+                    <a16:rowId xmlns:a16="http://schemas.microsoft.com/office/drawing/2014/main" val="10001"/>
+                  </a:ext>
+                </a:extLst>
               </a:tr>
               <a:tr h="285031">
                 <a:tc>
@@ -3814,11 +3977,11 @@
                     <a:p>
                       <a:pPr algn="ctr" latinLnBrk="1"/>
                       <a:r>
-                        <a:rPr lang="en-US" altLang="ko-KR" sz="1000" dirty="0" smtClean="0"/>
+                        <a:rPr lang="en-US" altLang="ko-KR" sz="1000" dirty="0"/>
                         <a:t>Quit</a:t>
                       </a:r>
                       <a:r>
-                        <a:rPr lang="en-US" altLang="ko-KR" sz="1000" baseline="0" dirty="0" smtClean="0"/>
+                        <a:rPr lang="en-US" altLang="ko-KR" sz="1000" baseline="0" dirty="0"/>
                         <a:t> Street</a:t>
                       </a:r>
                       <a:endParaRPr lang="ko-KR" altLang="en-US" sz="1000" dirty="0"/>
@@ -3826,6 +3989,11 @@
                   </a:txBody>
                   <a:tcPr anchor="ctr"/>
                 </a:tc>
+                <a:extLst>
+                  <a:ext uri="{0D108BD9-81ED-4DB2-BD59-A6C34878D82A}">
+                    <a16:rowId xmlns:a16="http://schemas.microsoft.com/office/drawing/2014/main" val="10002"/>
+                  </a:ext>
+                </a:extLst>
               </a:tr>
               <a:tr h="285031">
                 <a:tc>
@@ -3835,11 +4003,11 @@
                     <a:p>
                       <a:pPr algn="ctr" latinLnBrk="1"/>
                       <a:r>
-                        <a:rPr lang="en-US" altLang="ko-KR" sz="1000" dirty="0" smtClean="0"/>
+                        <a:rPr lang="en-US" altLang="ko-KR" sz="1000" dirty="0"/>
                         <a:t>Truth</a:t>
                       </a:r>
                       <a:r>
-                        <a:rPr lang="en-US" altLang="ko-KR" sz="1000" baseline="0" dirty="0" smtClean="0"/>
+                        <a:rPr lang="en-US" altLang="ko-KR" sz="1000" baseline="0" dirty="0"/>
                         <a:t> Way</a:t>
                       </a:r>
                       <a:endParaRPr lang="ko-KR" altLang="en-US" sz="1000" dirty="0"/>
@@ -3847,6 +4015,11 @@
                   </a:txBody>
                   <a:tcPr anchor="ctr"/>
                 </a:tc>
+                <a:extLst>
+                  <a:ext uri="{0D108BD9-81ED-4DB2-BD59-A6C34878D82A}">
+                    <a16:rowId xmlns:a16="http://schemas.microsoft.com/office/drawing/2014/main" val="10003"/>
+                  </a:ext>
+                </a:extLst>
               </a:tr>
               <a:tr h="285031">
                 <a:tc>
@@ -3856,7 +4029,7 @@
                     <a:p>
                       <a:pPr algn="ctr" latinLnBrk="1"/>
                       <a:r>
-                        <a:rPr lang="en-US" altLang="ko-KR" sz="1000" dirty="0" smtClean="0"/>
+                        <a:rPr lang="en-US" altLang="ko-KR" sz="1000" dirty="0"/>
                         <a:t>Hot Street</a:t>
                       </a:r>
                       <a:endParaRPr lang="ko-KR" altLang="en-US" sz="1000" dirty="0"/>
@@ -3864,6 +4037,11 @@
                   </a:txBody>
                   <a:tcPr anchor="ctr"/>
                 </a:tc>
+                <a:extLst>
+                  <a:ext uri="{0D108BD9-81ED-4DB2-BD59-A6C34878D82A}">
+                    <a16:rowId xmlns:a16="http://schemas.microsoft.com/office/drawing/2014/main" val="10004"/>
+                  </a:ext>
+                </a:extLst>
               </a:tr>
             </a:tbl>
           </a:graphicData>
@@ -3894,7 +4072,13 @@
                 <a:tableStyleId>{5940675A-B579-460E-94D1-54222C63F5DA}</a:tableStyleId>
               </a:tblPr>
               <a:tblGrid>
-                <a:gridCol w="720080"/>
+                <a:gridCol w="720080">
+                  <a:extLst>
+                    <a:ext uri="{9D8B030D-6E8A-4147-A177-3AD203B41FA5}">
+                      <a16:colId xmlns:a16="http://schemas.microsoft.com/office/drawing/2014/main" val="20000"/>
+                    </a:ext>
+                  </a:extLst>
+                </a:gridCol>
               </a:tblGrid>
               <a:tr h="285031">
                 <a:tc>
@@ -3904,7 +4088,7 @@
                     <a:p>
                       <a:pPr algn="ctr" latinLnBrk="1"/>
                       <a:r>
-                        <a:rPr lang="en-US" altLang="ko-KR" sz="1000" b="1" dirty="0" smtClean="0"/>
+                        <a:rPr lang="en-US" altLang="ko-KR" sz="1000" b="1" dirty="0"/>
                         <a:t>Age</a:t>
                       </a:r>
                       <a:endParaRPr lang="ko-KR" altLang="en-US" sz="1000" b="1" dirty="0"/>
@@ -3912,6 +4096,11 @@
                   </a:txBody>
                   <a:tcPr anchor="ctr"/>
                 </a:tc>
+                <a:extLst>
+                  <a:ext uri="{0D108BD9-81ED-4DB2-BD59-A6C34878D82A}">
+                    <a16:rowId xmlns:a16="http://schemas.microsoft.com/office/drawing/2014/main" val="10000"/>
+                  </a:ext>
+                </a:extLst>
               </a:tr>
               <a:tr h="285031">
                 <a:tc>
@@ -3921,7 +4110,7 @@
                     <a:p>
                       <a:pPr algn="ctr" latinLnBrk="1"/>
                       <a:r>
-                        <a:rPr lang="en-US" altLang="ko-KR" sz="1000" dirty="0" smtClean="0"/>
+                        <a:rPr lang="en-US" altLang="ko-KR" sz="1000" dirty="0"/>
                         <a:t>28</a:t>
                       </a:r>
                       <a:endParaRPr lang="ko-KR" altLang="en-US" sz="1000" dirty="0"/>
@@ -3929,6 +4118,11 @@
                   </a:txBody>
                   <a:tcPr anchor="ctr"/>
                 </a:tc>
+                <a:extLst>
+                  <a:ext uri="{0D108BD9-81ED-4DB2-BD59-A6C34878D82A}">
+                    <a16:rowId xmlns:a16="http://schemas.microsoft.com/office/drawing/2014/main" val="10001"/>
+                  </a:ext>
+                </a:extLst>
               </a:tr>
               <a:tr h="285031">
                 <a:tc>
@@ -3938,7 +4132,7 @@
                     <a:p>
                       <a:pPr algn="ctr" latinLnBrk="1"/>
                       <a:r>
-                        <a:rPr lang="en-US" altLang="ko-KR" sz="1000" dirty="0" smtClean="0"/>
+                        <a:rPr lang="en-US" altLang="ko-KR" sz="1000" dirty="0"/>
                         <a:t>34</a:t>
                       </a:r>
                       <a:endParaRPr lang="ko-KR" altLang="en-US" sz="1000" dirty="0"/>
@@ -3946,6 +4140,11 @@
                   </a:txBody>
                   <a:tcPr anchor="ctr"/>
                 </a:tc>
+                <a:extLst>
+                  <a:ext uri="{0D108BD9-81ED-4DB2-BD59-A6C34878D82A}">
+                    <a16:rowId xmlns:a16="http://schemas.microsoft.com/office/drawing/2014/main" val="10002"/>
+                  </a:ext>
+                </a:extLst>
               </a:tr>
               <a:tr h="285031">
                 <a:tc>
@@ -3955,7 +4154,7 @@
                     <a:p>
                       <a:pPr algn="ctr" latinLnBrk="1"/>
                       <a:r>
-                        <a:rPr lang="en-US" altLang="ko-KR" sz="1000" dirty="0" smtClean="0"/>
+                        <a:rPr lang="en-US" altLang="ko-KR" sz="1000" dirty="0"/>
                         <a:t>12</a:t>
                       </a:r>
                       <a:endParaRPr lang="ko-KR" altLang="en-US" sz="1000" dirty="0"/>
@@ -3963,6 +4162,11 @@
                   </a:txBody>
                   <a:tcPr anchor="ctr"/>
                 </a:tc>
+                <a:extLst>
+                  <a:ext uri="{0D108BD9-81ED-4DB2-BD59-A6C34878D82A}">
+                    <a16:rowId xmlns:a16="http://schemas.microsoft.com/office/drawing/2014/main" val="10003"/>
+                  </a:ext>
+                </a:extLst>
               </a:tr>
               <a:tr h="285031">
                 <a:tc>
@@ -3972,7 +4176,7 @@
                     <a:p>
                       <a:pPr algn="ctr" latinLnBrk="1"/>
                       <a:r>
-                        <a:rPr lang="en-US" altLang="ko-KR" sz="1000" dirty="0" smtClean="0"/>
+                        <a:rPr lang="en-US" altLang="ko-KR" sz="1000" dirty="0"/>
                         <a:t>27</a:t>
                       </a:r>
                       <a:endParaRPr lang="ko-KR" altLang="en-US" sz="1000" dirty="0"/>
@@ -3980,6 +4184,11 @@
                   </a:txBody>
                   <a:tcPr anchor="ctr"/>
                 </a:tc>
+                <a:extLst>
+                  <a:ext uri="{0D108BD9-81ED-4DB2-BD59-A6C34878D82A}">
+                    <a16:rowId xmlns:a16="http://schemas.microsoft.com/office/drawing/2014/main" val="10004"/>
+                  </a:ext>
+                </a:extLst>
               </a:tr>
             </a:tbl>
           </a:graphicData>
@@ -4001,6 +4210,7 @@
               <a:gd name="adj" fmla="val 10189"/>
             </a:avLst>
           </a:prstGeom>
+          <a:ln w="19050"/>
         </p:spPr>
         <p:style>
           <a:lnRef idx="2">
@@ -4034,7 +4244,7 @@
           <p:nvPr>
             <p:extLst>
               <p:ext uri="{D42A27DB-BD31-4B8C-83A1-F6EECF244321}">
-                <p14:modId xmlns:p14="http://schemas.microsoft.com/office/powerpoint/2010/main" val="3681872720"/>
+                <p14:modId xmlns:p14="http://schemas.microsoft.com/office/powerpoint/2010/main" val="2960107577"/>
               </p:ext>
             </p:extLst>
           </p:nvPr>
@@ -4050,10 +4260,34 @@
                 <a:tableStyleId>{5940675A-B579-460E-94D1-54222C63F5DA}</a:tableStyleId>
               </a:tblPr>
               <a:tblGrid>
-                <a:gridCol w="864096"/>
-                <a:gridCol w="864096"/>
-                <a:gridCol w="864096"/>
-                <a:gridCol w="864096"/>
+                <a:gridCol w="864096">
+                  <a:extLst>
+                    <a:ext uri="{9D8B030D-6E8A-4147-A177-3AD203B41FA5}">
+                      <a16:colId xmlns:a16="http://schemas.microsoft.com/office/drawing/2014/main" val="20000"/>
+                    </a:ext>
+                  </a:extLst>
+                </a:gridCol>
+                <a:gridCol w="864096">
+                  <a:extLst>
+                    <a:ext uri="{9D8B030D-6E8A-4147-A177-3AD203B41FA5}">
+                      <a16:colId xmlns:a16="http://schemas.microsoft.com/office/drawing/2014/main" val="20001"/>
+                    </a:ext>
+                  </a:extLst>
+                </a:gridCol>
+                <a:gridCol w="864096">
+                  <a:extLst>
+                    <a:ext uri="{9D8B030D-6E8A-4147-A177-3AD203B41FA5}">
+                      <a16:colId xmlns:a16="http://schemas.microsoft.com/office/drawing/2014/main" val="20002"/>
+                    </a:ext>
+                  </a:extLst>
+                </a:gridCol>
+                <a:gridCol w="864096">
+                  <a:extLst>
+                    <a:ext uri="{9D8B030D-6E8A-4147-A177-3AD203B41FA5}">
+                      <a16:colId xmlns:a16="http://schemas.microsoft.com/office/drawing/2014/main" val="20003"/>
+                    </a:ext>
+                  </a:extLst>
+                </a:gridCol>
               </a:tblGrid>
               <a:tr h="288032">
                 <a:tc>
@@ -4063,7 +4297,7 @@
                     <a:p>
                       <a:pPr algn="ctr" latinLnBrk="1"/>
                       <a:r>
-                        <a:rPr lang="en-US" altLang="ko-KR" sz="1050" dirty="0" err="1" smtClean="0"/>
+                        <a:rPr lang="en-US" altLang="ko-KR" sz="1050" dirty="0" err="1"/>
                         <a:t>Tweety</a:t>
                       </a:r>
                       <a:endParaRPr lang="ko-KR" altLang="en-US" sz="1050" dirty="0"/>
@@ -4078,8 +4312,8 @@
                     <a:p>
                       <a:pPr algn="ctr" latinLnBrk="1"/>
                       <a:r>
-                        <a:rPr lang="en-US" altLang="ko-KR" sz="1050" dirty="0" smtClean="0"/>
-                        <a:t>Bird</a:t>
+                        <a:rPr lang="en-US" altLang="ko-KR" sz="1050"/>
+                        <a:t>Female</a:t>
                       </a:r>
                       <a:endParaRPr lang="ko-KR" altLang="en-US" sz="1050" dirty="0"/>
                     </a:p>
@@ -4093,7 +4327,7 @@
                     <a:p>
                       <a:pPr algn="ctr" latinLnBrk="1"/>
                       <a:r>
-                        <a:rPr lang="en-US" altLang="ko-KR" sz="1050" dirty="0" smtClean="0"/>
+                        <a:rPr lang="en-US" altLang="ko-KR" sz="1050" dirty="0"/>
                         <a:t>Acme Way</a:t>
                       </a:r>
                       <a:endParaRPr lang="ko-KR" altLang="en-US" sz="1050" dirty="0"/>
@@ -4108,7 +4342,7 @@
                     <a:p>
                       <a:pPr algn="ctr" latinLnBrk="1"/>
                       <a:r>
-                        <a:rPr lang="en-US" altLang="ko-KR" sz="1050" dirty="0" smtClean="0"/>
+                        <a:rPr lang="en-US" altLang="ko-KR" sz="1050" dirty="0"/>
                         <a:t>28</a:t>
                       </a:r>
                       <a:endParaRPr lang="ko-KR" altLang="en-US" sz="1050" dirty="0"/>
@@ -4116,6 +4350,11 @@
                   </a:txBody>
                   <a:tcPr anchor="ctr"/>
                 </a:tc>
+                <a:extLst>
+                  <a:ext uri="{0D108BD9-81ED-4DB2-BD59-A6C34878D82A}">
+                    <a16:rowId xmlns:a16="http://schemas.microsoft.com/office/drawing/2014/main" val="10000"/>
+                  </a:ext>
+                </a:extLst>
               </a:tr>
             </a:tbl>
           </a:graphicData>
@@ -4130,7 +4369,7 @@
           <p:nvPr>
             <p:extLst>
               <p:ext uri="{D42A27DB-BD31-4B8C-83A1-F6EECF244321}">
-                <p14:modId xmlns:p14="http://schemas.microsoft.com/office/powerpoint/2010/main" val="1579621340"/>
+                <p14:modId xmlns:p14="http://schemas.microsoft.com/office/powerpoint/2010/main" val="2195759403"/>
               </p:ext>
             </p:extLst>
           </p:nvPr>
@@ -4146,10 +4385,34 @@
                 <a:tableStyleId>{5940675A-B579-460E-94D1-54222C63F5DA}</a:tableStyleId>
               </a:tblPr>
               <a:tblGrid>
-                <a:gridCol w="864096"/>
-                <a:gridCol w="864096"/>
-                <a:gridCol w="864096"/>
-                <a:gridCol w="864096"/>
+                <a:gridCol w="864096">
+                  <a:extLst>
+                    <a:ext uri="{9D8B030D-6E8A-4147-A177-3AD203B41FA5}">
+                      <a16:colId xmlns:a16="http://schemas.microsoft.com/office/drawing/2014/main" val="20000"/>
+                    </a:ext>
+                  </a:extLst>
+                </a:gridCol>
+                <a:gridCol w="864096">
+                  <a:extLst>
+                    <a:ext uri="{9D8B030D-6E8A-4147-A177-3AD203B41FA5}">
+                      <a16:colId xmlns:a16="http://schemas.microsoft.com/office/drawing/2014/main" val="20001"/>
+                    </a:ext>
+                  </a:extLst>
+                </a:gridCol>
+                <a:gridCol w="864096">
+                  <a:extLst>
+                    <a:ext uri="{9D8B030D-6E8A-4147-A177-3AD203B41FA5}">
+                      <a16:colId xmlns:a16="http://schemas.microsoft.com/office/drawing/2014/main" val="20002"/>
+                    </a:ext>
+                  </a:extLst>
+                </a:gridCol>
+                <a:gridCol w="864096">
+                  <a:extLst>
+                    <a:ext uri="{9D8B030D-6E8A-4147-A177-3AD203B41FA5}">
+                      <a16:colId xmlns:a16="http://schemas.microsoft.com/office/drawing/2014/main" val="20003"/>
+                    </a:ext>
+                  </a:extLst>
+                </a:gridCol>
               </a:tblGrid>
               <a:tr h="288032">
                 <a:tc>
@@ -4159,7 +4422,7 @@
                     <a:p>
                       <a:pPr algn="ctr" latinLnBrk="1"/>
                       <a:r>
-                        <a:rPr lang="en-US" altLang="ko-KR" sz="1050" dirty="0" smtClean="0"/>
+                        <a:rPr lang="en-US" altLang="ko-KR" sz="1050" dirty="0"/>
                         <a:t>Bat</a:t>
                       </a:r>
                       <a:endParaRPr lang="ko-KR" altLang="en-US" sz="1050" dirty="0"/>
@@ -4174,8 +4437,8 @@
                     <a:p>
                       <a:pPr algn="ctr" latinLnBrk="1"/>
                       <a:r>
-                        <a:rPr lang="en-US" altLang="ko-KR" sz="1050" dirty="0" smtClean="0"/>
-                        <a:t>Man</a:t>
+                        <a:rPr lang="en-US" altLang="ko-KR" sz="1050"/>
+                        <a:t>Male</a:t>
                       </a:r>
                       <a:endParaRPr lang="ko-KR" altLang="en-US" sz="1050" dirty="0"/>
                     </a:p>
@@ -4189,11 +4452,11 @@
                     <a:p>
                       <a:pPr algn="ctr" latinLnBrk="1"/>
                       <a:r>
-                        <a:rPr lang="en-US" altLang="ko-KR" sz="1050" dirty="0" smtClean="0"/>
+                        <a:rPr lang="en-US" altLang="ko-KR" sz="1050" dirty="0"/>
                         <a:t>Quit</a:t>
                       </a:r>
                       <a:r>
-                        <a:rPr lang="en-US" altLang="ko-KR" sz="1050" baseline="0" dirty="0" smtClean="0"/>
+                        <a:rPr lang="en-US" altLang="ko-KR" sz="1050" baseline="0" dirty="0"/>
                         <a:t> Street</a:t>
                       </a:r>
                       <a:endParaRPr lang="ko-KR" altLang="en-US" sz="1050" dirty="0"/>
@@ -4208,7 +4471,7 @@
                     <a:p>
                       <a:pPr algn="ctr" latinLnBrk="1"/>
                       <a:r>
-                        <a:rPr lang="en-US" altLang="ko-KR" sz="1050" dirty="0" smtClean="0"/>
+                        <a:rPr lang="en-US" altLang="ko-KR" sz="1050" dirty="0"/>
                         <a:t>34</a:t>
                       </a:r>
                       <a:endParaRPr lang="ko-KR" altLang="en-US" sz="1050" dirty="0"/>
@@ -4216,6 +4479,11 @@
                   </a:txBody>
                   <a:tcPr anchor="ctr"/>
                 </a:tc>
+                <a:extLst>
+                  <a:ext uri="{0D108BD9-81ED-4DB2-BD59-A6C34878D82A}">
+                    <a16:rowId xmlns:a16="http://schemas.microsoft.com/office/drawing/2014/main" val="10000"/>
+                  </a:ext>
+                </a:extLst>
               </a:tr>
             </a:tbl>
           </a:graphicData>
@@ -4230,7 +4498,7 @@
           <p:nvPr>
             <p:extLst>
               <p:ext uri="{D42A27DB-BD31-4B8C-83A1-F6EECF244321}">
-                <p14:modId xmlns:p14="http://schemas.microsoft.com/office/powerpoint/2010/main" val="619996532"/>
+                <p14:modId xmlns:p14="http://schemas.microsoft.com/office/powerpoint/2010/main" val="1860595820"/>
               </p:ext>
             </p:extLst>
           </p:nvPr>
@@ -4246,10 +4514,34 @@
                 <a:tableStyleId>{5940675A-B579-460E-94D1-54222C63F5DA}</a:tableStyleId>
               </a:tblPr>
               <a:tblGrid>
-                <a:gridCol w="864096"/>
-                <a:gridCol w="864096"/>
-                <a:gridCol w="864096"/>
-                <a:gridCol w="864096"/>
+                <a:gridCol w="864096">
+                  <a:extLst>
+                    <a:ext uri="{9D8B030D-6E8A-4147-A177-3AD203B41FA5}">
+                      <a16:colId xmlns:a16="http://schemas.microsoft.com/office/drawing/2014/main" val="20000"/>
+                    </a:ext>
+                  </a:extLst>
+                </a:gridCol>
+                <a:gridCol w="864096">
+                  <a:extLst>
+                    <a:ext uri="{9D8B030D-6E8A-4147-A177-3AD203B41FA5}">
+                      <a16:colId xmlns:a16="http://schemas.microsoft.com/office/drawing/2014/main" val="20001"/>
+                    </a:ext>
+                  </a:extLst>
+                </a:gridCol>
+                <a:gridCol w="864096">
+                  <a:extLst>
+                    <a:ext uri="{9D8B030D-6E8A-4147-A177-3AD203B41FA5}">
+                      <a16:colId xmlns:a16="http://schemas.microsoft.com/office/drawing/2014/main" val="20002"/>
+                    </a:ext>
+                  </a:extLst>
+                </a:gridCol>
+                <a:gridCol w="864096">
+                  <a:extLst>
+                    <a:ext uri="{9D8B030D-6E8A-4147-A177-3AD203B41FA5}">
+                      <a16:colId xmlns:a16="http://schemas.microsoft.com/office/drawing/2014/main" val="20003"/>
+                    </a:ext>
+                  </a:extLst>
+                </a:gridCol>
               </a:tblGrid>
               <a:tr h="288032">
                 <a:tc>
@@ -4259,7 +4551,7 @@
                     <a:p>
                       <a:pPr algn="ctr" latinLnBrk="1"/>
                       <a:r>
-                        <a:rPr lang="en-US" altLang="ko-KR" sz="1050" dirty="0" smtClean="0"/>
+                        <a:rPr lang="en-US" altLang="ko-KR" sz="1050" dirty="0"/>
                         <a:t>Donald</a:t>
                       </a:r>
                       <a:endParaRPr lang="ko-KR" altLang="en-US" sz="1050" dirty="0"/>
@@ -4274,8 +4566,8 @@
                     <a:p>
                       <a:pPr algn="ctr" latinLnBrk="1"/>
                       <a:r>
-                        <a:rPr lang="en-US" altLang="ko-KR" sz="1050" dirty="0" smtClean="0"/>
-                        <a:t>Duck</a:t>
+                        <a:rPr lang="en-US" altLang="ko-KR" sz="1050"/>
+                        <a:t>Male</a:t>
                       </a:r>
                       <a:endParaRPr lang="ko-KR" altLang="en-US" sz="1050" dirty="0"/>
                     </a:p>
@@ -4289,11 +4581,11 @@
                     <a:p>
                       <a:pPr algn="ctr" latinLnBrk="1"/>
                       <a:r>
-                        <a:rPr lang="en-US" altLang="ko-KR" sz="1050" dirty="0" smtClean="0"/>
+                        <a:rPr lang="en-US" altLang="ko-KR" sz="1050" dirty="0"/>
                         <a:t>Truth</a:t>
                       </a:r>
                       <a:r>
-                        <a:rPr lang="en-US" altLang="ko-KR" sz="1050" baseline="0" dirty="0" smtClean="0"/>
+                        <a:rPr lang="en-US" altLang="ko-KR" sz="1050" baseline="0" dirty="0"/>
                         <a:t> Way</a:t>
                       </a:r>
                       <a:endParaRPr lang="ko-KR" altLang="en-US" sz="1050" dirty="0"/>
@@ -4308,7 +4600,7 @@
                     <a:p>
                       <a:pPr algn="ctr" latinLnBrk="1"/>
                       <a:r>
-                        <a:rPr lang="en-US" altLang="ko-KR" sz="1050" dirty="0" smtClean="0"/>
+                        <a:rPr lang="en-US" altLang="ko-KR" sz="1050" dirty="0"/>
                         <a:t>12</a:t>
                       </a:r>
                       <a:endParaRPr lang="ko-KR" altLang="en-US" sz="1050" dirty="0"/>
@@ -4316,6 +4608,11 @@
                   </a:txBody>
                   <a:tcPr anchor="ctr"/>
                 </a:tc>
+                <a:extLst>
+                  <a:ext uri="{0D108BD9-81ED-4DB2-BD59-A6C34878D82A}">
+                    <a16:rowId xmlns:a16="http://schemas.microsoft.com/office/drawing/2014/main" val="10000"/>
+                  </a:ext>
+                </a:extLst>
               </a:tr>
             </a:tbl>
           </a:graphicData>
@@ -4345,7 +4642,7 @@
           <a:p>
             <a:pPr algn="ctr"/>
             <a:r>
-              <a:rPr lang="en-US" altLang="ko-KR" sz="1200" b="1" dirty="0" smtClean="0"/>
+              <a:rPr lang="en-US" altLang="ko-KR" sz="1200" b="1" dirty="0"/>
               <a:t>Block 1</a:t>
             </a:r>
             <a:endParaRPr lang="ko-KR" altLang="en-US" sz="1200" b="1" dirty="0"/>
@@ -4376,7 +4673,7 @@
           <a:p>
             <a:pPr algn="ctr"/>
             <a:r>
-              <a:rPr lang="en-US" altLang="ko-KR" sz="1200" b="1" dirty="0" smtClean="0"/>
+              <a:rPr lang="en-US" altLang="ko-KR" sz="1200" b="1" dirty="0"/>
               <a:t>Block 2</a:t>
             </a:r>
             <a:endParaRPr lang="ko-KR" altLang="en-US" sz="1200" b="1" dirty="0"/>
@@ -4407,7 +4704,7 @@
           <a:p>
             <a:pPr algn="ctr"/>
             <a:r>
-              <a:rPr lang="en-US" altLang="ko-KR" sz="1200" b="1" dirty="0" smtClean="0"/>
+              <a:rPr lang="en-US" altLang="ko-KR" sz="1200" b="1" dirty="0"/>
               <a:t>Block 3</a:t>
             </a:r>
             <a:endParaRPr lang="ko-KR" altLang="en-US" sz="1200" b="1" dirty="0"/>
@@ -4423,7 +4720,7 @@
           <p:nvPr>
             <p:extLst>
               <p:ext uri="{D42A27DB-BD31-4B8C-83A1-F6EECF244321}">
-                <p14:modId xmlns:p14="http://schemas.microsoft.com/office/powerpoint/2010/main" val="2710506569"/>
+                <p14:modId xmlns:p14="http://schemas.microsoft.com/office/powerpoint/2010/main" val="1551148028"/>
               </p:ext>
             </p:extLst>
           </p:nvPr>
@@ -4439,10 +4736,34 @@
                 <a:tableStyleId>{5940675A-B579-460E-94D1-54222C63F5DA}</a:tableStyleId>
               </a:tblPr>
               <a:tblGrid>
-                <a:gridCol w="864096"/>
-                <a:gridCol w="864096"/>
-                <a:gridCol w="864096"/>
-                <a:gridCol w="864096"/>
+                <a:gridCol w="864096">
+                  <a:extLst>
+                    <a:ext uri="{9D8B030D-6E8A-4147-A177-3AD203B41FA5}">
+                      <a16:colId xmlns:a16="http://schemas.microsoft.com/office/drawing/2014/main" val="20000"/>
+                    </a:ext>
+                  </a:extLst>
+                </a:gridCol>
+                <a:gridCol w="864096">
+                  <a:extLst>
+                    <a:ext uri="{9D8B030D-6E8A-4147-A177-3AD203B41FA5}">
+                      <a16:colId xmlns:a16="http://schemas.microsoft.com/office/drawing/2014/main" val="20001"/>
+                    </a:ext>
+                  </a:extLst>
+                </a:gridCol>
+                <a:gridCol w="864096">
+                  <a:extLst>
+                    <a:ext uri="{9D8B030D-6E8A-4147-A177-3AD203B41FA5}">
+                      <a16:colId xmlns:a16="http://schemas.microsoft.com/office/drawing/2014/main" val="20002"/>
+                    </a:ext>
+                  </a:extLst>
+                </a:gridCol>
+                <a:gridCol w="864096">
+                  <a:extLst>
+                    <a:ext uri="{9D8B030D-6E8A-4147-A177-3AD203B41FA5}">
+                      <a16:colId xmlns:a16="http://schemas.microsoft.com/office/drawing/2014/main" val="20003"/>
+                    </a:ext>
+                  </a:extLst>
+                </a:gridCol>
               </a:tblGrid>
               <a:tr h="288032">
                 <a:tc>
@@ -4452,7 +4773,7 @@
                     <a:p>
                       <a:pPr algn="ctr" latinLnBrk="1"/>
                       <a:r>
-                        <a:rPr lang="en-US" altLang="ko-KR" sz="1050" dirty="0" smtClean="0"/>
+                        <a:rPr lang="en-US" altLang="ko-KR" sz="1050" dirty="0"/>
                         <a:t>Wonder</a:t>
                       </a:r>
                       <a:endParaRPr lang="ko-KR" altLang="en-US" sz="1050" dirty="0"/>
@@ -4467,8 +4788,8 @@
                     <a:p>
                       <a:pPr algn="ctr" latinLnBrk="1"/>
                       <a:r>
-                        <a:rPr lang="en-US" altLang="ko-KR" sz="1050" dirty="0" smtClean="0"/>
-                        <a:t>Woman</a:t>
+                        <a:rPr lang="en-US" altLang="ko-KR" sz="1050"/>
+                        <a:t>Female</a:t>
                       </a:r>
                       <a:endParaRPr lang="ko-KR" altLang="en-US" sz="1050" dirty="0"/>
                     </a:p>
@@ -4482,7 +4803,7 @@
                     <a:p>
                       <a:pPr algn="ctr" latinLnBrk="1"/>
                       <a:r>
-                        <a:rPr lang="en-US" altLang="ko-KR" sz="1050" dirty="0" smtClean="0"/>
+                        <a:rPr lang="en-US" altLang="ko-KR" sz="1050" dirty="0"/>
                         <a:t>Hot Street</a:t>
                       </a:r>
                       <a:endParaRPr lang="ko-KR" altLang="en-US" sz="1050" dirty="0"/>
@@ -4497,7 +4818,7 @@
                     <a:p>
                       <a:pPr algn="ctr" latinLnBrk="1"/>
                       <a:r>
-                        <a:rPr lang="en-US" altLang="ko-KR" sz="1050" dirty="0" smtClean="0"/>
+                        <a:rPr lang="en-US" altLang="ko-KR" sz="1050" dirty="0"/>
                         <a:t>27</a:t>
                       </a:r>
                       <a:endParaRPr lang="ko-KR" altLang="en-US" sz="1050" dirty="0"/>
@@ -4505,6 +4826,11 @@
                   </a:txBody>
                   <a:tcPr anchor="ctr"/>
                 </a:tc>
+                <a:extLst>
+                  <a:ext uri="{0D108BD9-81ED-4DB2-BD59-A6C34878D82A}">
+                    <a16:rowId xmlns:a16="http://schemas.microsoft.com/office/drawing/2014/main" val="10000"/>
+                  </a:ext>
+                </a:extLst>
               </a:tr>
             </a:tbl>
           </a:graphicData>
@@ -4534,7 +4860,7 @@
           <a:p>
             <a:pPr algn="ctr"/>
             <a:r>
-              <a:rPr lang="en-US" altLang="ko-KR" sz="1200" b="1" dirty="0" smtClean="0"/>
+              <a:rPr lang="en-US" altLang="ko-KR" sz="1200" b="1" dirty="0"/>
               <a:t>Block 4</a:t>
             </a:r>
             <a:endParaRPr lang="ko-KR" altLang="en-US" sz="1200" b="1" dirty="0"/>
@@ -4557,6 +4883,7 @@
               <a:gd name="adj" fmla="val 10189"/>
             </a:avLst>
           </a:prstGeom>
+          <a:ln w="19050"/>
         </p:spPr>
         <p:style>
           <a:lnRef idx="2">
@@ -4606,10 +4933,34 @@
                 <a:tableStyleId>{5940675A-B579-460E-94D1-54222C63F5DA}</a:tableStyleId>
               </a:tblPr>
               <a:tblGrid>
-                <a:gridCol w="864096"/>
-                <a:gridCol w="864096"/>
-                <a:gridCol w="864096"/>
-                <a:gridCol w="864096"/>
+                <a:gridCol w="864096">
+                  <a:extLst>
+                    <a:ext uri="{9D8B030D-6E8A-4147-A177-3AD203B41FA5}">
+                      <a16:colId xmlns:a16="http://schemas.microsoft.com/office/drawing/2014/main" val="20000"/>
+                    </a:ext>
+                  </a:extLst>
+                </a:gridCol>
+                <a:gridCol w="864096">
+                  <a:extLst>
+                    <a:ext uri="{9D8B030D-6E8A-4147-A177-3AD203B41FA5}">
+                      <a16:colId xmlns:a16="http://schemas.microsoft.com/office/drawing/2014/main" val="20001"/>
+                    </a:ext>
+                  </a:extLst>
+                </a:gridCol>
+                <a:gridCol w="864096">
+                  <a:extLst>
+                    <a:ext uri="{9D8B030D-6E8A-4147-A177-3AD203B41FA5}">
+                      <a16:colId xmlns:a16="http://schemas.microsoft.com/office/drawing/2014/main" val="20002"/>
+                    </a:ext>
+                  </a:extLst>
+                </a:gridCol>
+                <a:gridCol w="864096">
+                  <a:extLst>
+                    <a:ext uri="{9D8B030D-6E8A-4147-A177-3AD203B41FA5}">
+                      <a16:colId xmlns:a16="http://schemas.microsoft.com/office/drawing/2014/main" val="20003"/>
+                    </a:ext>
+                  </a:extLst>
+                </a:gridCol>
               </a:tblGrid>
               <a:tr h="288032">
                 <a:tc>
@@ -4619,7 +4970,7 @@
                     <a:p>
                       <a:pPr algn="ctr" latinLnBrk="1"/>
                       <a:r>
-                        <a:rPr lang="en-US" altLang="ko-KR" sz="1050" dirty="0" err="1" smtClean="0"/>
+                        <a:rPr lang="en-US" altLang="ko-KR" sz="1050" dirty="0" err="1"/>
                         <a:t>Tweety</a:t>
                       </a:r>
                       <a:endParaRPr lang="ko-KR" altLang="en-US" sz="1050" dirty="0"/>
@@ -4634,7 +4985,7 @@
                     <a:p>
                       <a:pPr algn="ctr" latinLnBrk="1"/>
                       <a:r>
-                        <a:rPr lang="en-US" altLang="ko-KR" sz="1050" dirty="0" smtClean="0"/>
+                        <a:rPr lang="en-US" altLang="ko-KR" sz="1050" dirty="0"/>
                         <a:t>Bat</a:t>
                       </a:r>
                       <a:endParaRPr lang="ko-KR" altLang="en-US" sz="1050" dirty="0"/>
@@ -4649,7 +5000,7 @@
                     <a:p>
                       <a:pPr algn="ctr" latinLnBrk="1"/>
                       <a:r>
-                        <a:rPr lang="en-US" altLang="ko-KR" sz="1050" dirty="0" smtClean="0"/>
+                        <a:rPr lang="en-US" altLang="ko-KR" sz="1050" dirty="0"/>
                         <a:t>Donald</a:t>
                       </a:r>
                       <a:endParaRPr lang="ko-KR" altLang="en-US" sz="1050" dirty="0"/>
@@ -4664,7 +5015,7 @@
                     <a:p>
                       <a:pPr algn="ctr" latinLnBrk="1"/>
                       <a:r>
-                        <a:rPr lang="en-US" altLang="ko-KR" sz="1050" dirty="0" smtClean="0"/>
+                        <a:rPr lang="en-US" altLang="ko-KR" sz="1050" dirty="0"/>
                         <a:t>Wonder</a:t>
                       </a:r>
                       <a:endParaRPr lang="ko-KR" altLang="en-US" sz="1050" dirty="0"/>
@@ -4672,6 +5023,11 @@
                   </a:txBody>
                   <a:tcPr anchor="ctr"/>
                 </a:tc>
+                <a:extLst>
+                  <a:ext uri="{0D108BD9-81ED-4DB2-BD59-A6C34878D82A}">
+                    <a16:rowId xmlns:a16="http://schemas.microsoft.com/office/drawing/2014/main" val="10000"/>
+                  </a:ext>
+                </a:extLst>
               </a:tr>
             </a:tbl>
           </a:graphicData>
@@ -4686,7 +5042,7 @@
           <p:nvPr>
             <p:extLst>
               <p:ext uri="{D42A27DB-BD31-4B8C-83A1-F6EECF244321}">
-                <p14:modId xmlns:p14="http://schemas.microsoft.com/office/powerpoint/2010/main" val="4144026171"/>
+                <p14:modId xmlns:p14="http://schemas.microsoft.com/office/powerpoint/2010/main" val="3470930751"/>
               </p:ext>
             </p:extLst>
           </p:nvPr>
@@ -4702,10 +5058,34 @@
                 <a:tableStyleId>{5940675A-B579-460E-94D1-54222C63F5DA}</a:tableStyleId>
               </a:tblPr>
               <a:tblGrid>
-                <a:gridCol w="864096"/>
-                <a:gridCol w="864096"/>
-                <a:gridCol w="864096"/>
-                <a:gridCol w="864096"/>
+                <a:gridCol w="864096">
+                  <a:extLst>
+                    <a:ext uri="{9D8B030D-6E8A-4147-A177-3AD203B41FA5}">
+                      <a16:colId xmlns:a16="http://schemas.microsoft.com/office/drawing/2014/main" val="20000"/>
+                    </a:ext>
+                  </a:extLst>
+                </a:gridCol>
+                <a:gridCol w="864096">
+                  <a:extLst>
+                    <a:ext uri="{9D8B030D-6E8A-4147-A177-3AD203B41FA5}">
+                      <a16:colId xmlns:a16="http://schemas.microsoft.com/office/drawing/2014/main" val="20001"/>
+                    </a:ext>
+                  </a:extLst>
+                </a:gridCol>
+                <a:gridCol w="864096">
+                  <a:extLst>
+                    <a:ext uri="{9D8B030D-6E8A-4147-A177-3AD203B41FA5}">
+                      <a16:colId xmlns:a16="http://schemas.microsoft.com/office/drawing/2014/main" val="20002"/>
+                    </a:ext>
+                  </a:extLst>
+                </a:gridCol>
+                <a:gridCol w="864096">
+                  <a:extLst>
+                    <a:ext uri="{9D8B030D-6E8A-4147-A177-3AD203B41FA5}">
+                      <a16:colId xmlns:a16="http://schemas.microsoft.com/office/drawing/2014/main" val="20003"/>
+                    </a:ext>
+                  </a:extLst>
+                </a:gridCol>
               </a:tblGrid>
               <a:tr h="288032">
                 <a:tc>
@@ -4715,8 +5095,8 @@
                     <a:p>
                       <a:pPr algn="ctr" latinLnBrk="1"/>
                       <a:r>
-                        <a:rPr lang="en-US" altLang="ko-KR" sz="1050" dirty="0" smtClean="0"/>
-                        <a:t>Bird</a:t>
+                        <a:rPr lang="en-US" altLang="ko-KR" sz="1050"/>
+                        <a:t>Female</a:t>
                       </a:r>
                       <a:endParaRPr lang="ko-KR" altLang="en-US" sz="1050" dirty="0"/>
                     </a:p>
@@ -4728,12 +5108,111 @@
                     <a:bodyPr/>
                     <a:lstStyle/>
                     <a:p>
-                      <a:pPr algn="ctr" latinLnBrk="1"/>
-                      <a:r>
-                        <a:rPr lang="en-US" altLang="ko-KR" sz="1050" dirty="0" smtClean="0"/>
-                        <a:t>Man</a:t>
-                      </a:r>
-                      <a:endParaRPr lang="ko-KR" altLang="en-US" sz="1050" dirty="0"/>
+                      <a:pPr marL="0" marR="0" lvl="0" indent="0" algn="ctr" defTabSz="914400" rtl="0" eaLnBrk="1" fontAlgn="auto" latinLnBrk="1" hangingPunct="1">
+                        <a:lnSpc>
+                          <a:spcPct val="100000"/>
+                        </a:lnSpc>
+                        <a:spcBef>
+                          <a:spcPts val="0"/>
+                        </a:spcBef>
+                        <a:spcAft>
+                          <a:spcPts val="0"/>
+                        </a:spcAft>
+                        <a:buClrTx/>
+                        <a:buSzTx/>
+                        <a:buFontTx/>
+                        <a:buNone/>
+                        <a:tabLst/>
+                        <a:defRPr/>
+                      </a:pPr>
+                      <a:r>
+                        <a:rPr kumimoji="0" lang="en-US" altLang="ko-KR" sz="1000" b="0" i="0" u="none" strike="noStrike" kern="1200" cap="none" spc="0" normalizeH="0" baseline="0" noProof="0">
+                          <a:ln>
+                            <a:noFill/>
+                          </a:ln>
+                          <a:solidFill>
+                            <a:prstClr val="black"/>
+                          </a:solidFill>
+                          <a:effectLst/>
+                          <a:uLnTx/>
+                          <a:uFillTx/>
+                          <a:latin typeface="맑은 고딕"/>
+                          <a:ea typeface="맑은 고딕" panose="020B0503020000020004" pitchFamily="50" charset="-127"/>
+                          <a:cs typeface="+mn-cs"/>
+                        </a:rPr>
+                        <a:t>Male</a:t>
+                      </a:r>
+                      <a:endParaRPr kumimoji="0" lang="ko-KR" altLang="en-US" sz="1000" b="0" i="0" u="none" strike="noStrike" kern="1200" cap="none" spc="0" normalizeH="0" baseline="0" noProof="0" dirty="0">
+                        <a:ln>
+                          <a:noFill/>
+                        </a:ln>
+                        <a:solidFill>
+                          <a:prstClr val="black"/>
+                        </a:solidFill>
+                        <a:effectLst/>
+                        <a:uLnTx/>
+                        <a:uFillTx/>
+                        <a:latin typeface="맑은 고딕"/>
+                        <a:ea typeface="맑은 고딕" panose="020B0503020000020004" pitchFamily="50" charset="-127"/>
+                        <a:cs typeface="+mn-cs"/>
+                      </a:endParaRPr>
+                    </a:p>
+                  </a:txBody>
+                  <a:tcPr anchor="ctr"/>
+                </a:tc>
+                <a:tc>
+                  <a:txBody>
+                    <a:bodyPr/>
+                    <a:lstStyle/>
+                    <a:p>
+                      <a:pPr marL="0" marR="0" lvl="0" indent="0" algn="ctr" defTabSz="914400" rtl="0" eaLnBrk="1" fontAlgn="auto" latinLnBrk="1" hangingPunct="1">
+                        <a:lnSpc>
+                          <a:spcPct val="100000"/>
+                        </a:lnSpc>
+                        <a:spcBef>
+                          <a:spcPts val="0"/>
+                        </a:spcBef>
+                        <a:spcAft>
+                          <a:spcPts val="0"/>
+                        </a:spcAft>
+                        <a:buClrTx/>
+                        <a:buSzTx/>
+                        <a:buFontTx/>
+                        <a:buNone/>
+                        <a:tabLst/>
+                        <a:defRPr/>
+                      </a:pPr>
+                      <a:r>
+                        <a:rPr kumimoji="0" lang="en-US" altLang="ko-KR" sz="1000" b="0" i="0" u="none" strike="noStrike" kern="1200" cap="none" spc="0" normalizeH="0" baseline="0" noProof="0">
+                          <a:ln>
+                            <a:noFill/>
+                          </a:ln>
+                          <a:solidFill>
+                            <a:prstClr val="black"/>
+                          </a:solidFill>
+                          <a:effectLst/>
+                          <a:uLnTx/>
+                          <a:uFillTx/>
+                          <a:latin typeface="맑은 고딕"/>
+                          <a:ea typeface="맑은 고딕" panose="020B0503020000020004" pitchFamily="50" charset="-127"/>
+                          <a:cs typeface="+mn-cs"/>
+                        </a:rPr>
+                        <a:t>Male</a:t>
+                      </a:r>
+                      <a:endParaRPr kumimoji="0" lang="ko-KR" altLang="en-US" sz="1000" b="0" i="0" u="none" strike="noStrike" kern="1200" cap="none" spc="0" normalizeH="0" baseline="0" noProof="0" dirty="0">
+                        <a:ln>
+                          <a:noFill/>
+                        </a:ln>
+                        <a:solidFill>
+                          <a:prstClr val="black"/>
+                        </a:solidFill>
+                        <a:effectLst/>
+                        <a:uLnTx/>
+                        <a:uFillTx/>
+                        <a:latin typeface="맑은 고딕"/>
+                        <a:ea typeface="맑은 고딕" panose="020B0503020000020004" pitchFamily="50" charset="-127"/>
+                        <a:cs typeface="+mn-cs"/>
+                      </a:endParaRPr>
                     </a:p>
                   </a:txBody>
                   <a:tcPr anchor="ctr"/>
@@ -4745,29 +5224,19 @@
                     <a:p>
                       <a:pPr algn="ctr" latinLnBrk="1"/>
                       <a:r>
-                        <a:rPr lang="en-US" altLang="ko-KR" sz="1050" dirty="0" smtClean="0"/>
-                        <a:t>Duck</a:t>
+                        <a:rPr lang="en-US" altLang="ko-KR" sz="1050"/>
+                        <a:t>Female</a:t>
                       </a:r>
                       <a:endParaRPr lang="ko-KR" altLang="en-US" sz="1050" dirty="0"/>
                     </a:p>
                   </a:txBody>
                   <a:tcPr anchor="ctr"/>
                 </a:tc>
-                <a:tc>
-                  <a:txBody>
-                    <a:bodyPr/>
-                    <a:lstStyle/>
-                    <a:p>
-                      <a:pPr algn="ctr" latinLnBrk="1"/>
-                      <a:r>
-                        <a:rPr lang="en-US" altLang="ko-KR" sz="1050" dirty="0" smtClean="0"/>
-                        <a:t>Woman</a:t>
-                      </a:r>
-                      <a:endParaRPr lang="ko-KR" altLang="en-US" sz="1050" dirty="0"/>
-                    </a:p>
-                  </a:txBody>
-                  <a:tcPr anchor="ctr"/>
-                </a:tc>
+                <a:extLst>
+                  <a:ext uri="{0D108BD9-81ED-4DB2-BD59-A6C34878D82A}">
+                    <a16:rowId xmlns:a16="http://schemas.microsoft.com/office/drawing/2014/main" val="10000"/>
+                  </a:ext>
+                </a:extLst>
               </a:tr>
             </a:tbl>
           </a:graphicData>
@@ -4798,10 +5267,34 @@
                 <a:tableStyleId>{5940675A-B579-460E-94D1-54222C63F5DA}</a:tableStyleId>
               </a:tblPr>
               <a:tblGrid>
-                <a:gridCol w="864096"/>
-                <a:gridCol w="864096"/>
-                <a:gridCol w="864096"/>
-                <a:gridCol w="864096"/>
+                <a:gridCol w="864096">
+                  <a:extLst>
+                    <a:ext uri="{9D8B030D-6E8A-4147-A177-3AD203B41FA5}">
+                      <a16:colId xmlns:a16="http://schemas.microsoft.com/office/drawing/2014/main" val="20000"/>
+                    </a:ext>
+                  </a:extLst>
+                </a:gridCol>
+                <a:gridCol w="864096">
+                  <a:extLst>
+                    <a:ext uri="{9D8B030D-6E8A-4147-A177-3AD203B41FA5}">
+                      <a16:colId xmlns:a16="http://schemas.microsoft.com/office/drawing/2014/main" val="20001"/>
+                    </a:ext>
+                  </a:extLst>
+                </a:gridCol>
+                <a:gridCol w="864096">
+                  <a:extLst>
+                    <a:ext uri="{9D8B030D-6E8A-4147-A177-3AD203B41FA5}">
+                      <a16:colId xmlns:a16="http://schemas.microsoft.com/office/drawing/2014/main" val="20002"/>
+                    </a:ext>
+                  </a:extLst>
+                </a:gridCol>
+                <a:gridCol w="864096">
+                  <a:extLst>
+                    <a:ext uri="{9D8B030D-6E8A-4147-A177-3AD203B41FA5}">
+                      <a16:colId xmlns:a16="http://schemas.microsoft.com/office/drawing/2014/main" val="20003"/>
+                    </a:ext>
+                  </a:extLst>
+                </a:gridCol>
               </a:tblGrid>
               <a:tr h="288032">
                 <a:tc>
@@ -4811,7 +5304,7 @@
                     <a:p>
                       <a:pPr algn="ctr" latinLnBrk="1"/>
                       <a:r>
-                        <a:rPr lang="en-US" altLang="ko-KR" sz="1050" dirty="0" smtClean="0"/>
+                        <a:rPr lang="en-US" altLang="ko-KR" sz="1050" dirty="0"/>
                         <a:t>Acme Way</a:t>
                       </a:r>
                       <a:endParaRPr lang="ko-KR" altLang="en-US" sz="1050" dirty="0"/>
@@ -4826,11 +5319,11 @@
                     <a:p>
                       <a:pPr algn="ctr" latinLnBrk="1"/>
                       <a:r>
-                        <a:rPr lang="en-US" altLang="ko-KR" sz="1050" dirty="0" smtClean="0"/>
+                        <a:rPr lang="en-US" altLang="ko-KR" sz="1050" dirty="0"/>
                         <a:t>Quit</a:t>
                       </a:r>
                       <a:r>
-                        <a:rPr lang="en-US" altLang="ko-KR" sz="1050" baseline="0" dirty="0" smtClean="0"/>
+                        <a:rPr lang="en-US" altLang="ko-KR" sz="1050" baseline="0" dirty="0"/>
                         <a:t> Street</a:t>
                       </a:r>
                       <a:endParaRPr lang="ko-KR" altLang="en-US" sz="1050" dirty="0"/>
@@ -4845,11 +5338,11 @@
                     <a:p>
                       <a:pPr algn="ctr" latinLnBrk="1"/>
                       <a:r>
-                        <a:rPr lang="en-US" altLang="ko-KR" sz="1050" dirty="0" smtClean="0"/>
+                        <a:rPr lang="en-US" altLang="ko-KR" sz="1050" dirty="0"/>
                         <a:t>Truth</a:t>
                       </a:r>
                       <a:r>
-                        <a:rPr lang="en-US" altLang="ko-KR" sz="1050" baseline="0" dirty="0" smtClean="0"/>
+                        <a:rPr lang="en-US" altLang="ko-KR" sz="1050" baseline="0" dirty="0"/>
                         <a:t> Way</a:t>
                       </a:r>
                       <a:endParaRPr lang="ko-KR" altLang="en-US" sz="1050" dirty="0"/>
@@ -4864,7 +5357,7 @@
                     <a:p>
                       <a:pPr algn="ctr" latinLnBrk="1"/>
                       <a:r>
-                        <a:rPr lang="en-US" altLang="ko-KR" sz="1050" dirty="0" smtClean="0"/>
+                        <a:rPr lang="en-US" altLang="ko-KR" sz="1050" dirty="0"/>
                         <a:t>Hot Street</a:t>
                       </a:r>
                       <a:endParaRPr lang="ko-KR" altLang="en-US" sz="1050" dirty="0"/>
@@ -4872,6 +5365,11 @@
                   </a:txBody>
                   <a:tcPr anchor="ctr"/>
                 </a:tc>
+                <a:extLst>
+                  <a:ext uri="{0D108BD9-81ED-4DB2-BD59-A6C34878D82A}">
+                    <a16:rowId xmlns:a16="http://schemas.microsoft.com/office/drawing/2014/main" val="10000"/>
+                  </a:ext>
+                </a:extLst>
               </a:tr>
             </a:tbl>
           </a:graphicData>
@@ -4901,7 +5399,7 @@
           <a:p>
             <a:pPr algn="ctr"/>
             <a:r>
-              <a:rPr lang="en-US" altLang="ko-KR" sz="1200" b="1" dirty="0" smtClean="0"/>
+              <a:rPr lang="en-US" altLang="ko-KR" sz="1200" b="1" dirty="0"/>
               <a:t>Block 1</a:t>
             </a:r>
             <a:endParaRPr lang="ko-KR" altLang="en-US" sz="1200" b="1" dirty="0"/>
@@ -4932,7 +5430,7 @@
           <a:p>
             <a:pPr algn="ctr"/>
             <a:r>
-              <a:rPr lang="en-US" altLang="ko-KR" sz="1200" b="1" dirty="0" smtClean="0"/>
+              <a:rPr lang="en-US" altLang="ko-KR" sz="1200" b="1" dirty="0"/>
               <a:t>Block 2</a:t>
             </a:r>
             <a:endParaRPr lang="ko-KR" altLang="en-US" sz="1200" b="1" dirty="0"/>
@@ -4963,7 +5461,7 @@
           <a:p>
             <a:pPr algn="ctr"/>
             <a:r>
-              <a:rPr lang="en-US" altLang="ko-KR" sz="1200" b="1" dirty="0" smtClean="0"/>
+              <a:rPr lang="en-US" altLang="ko-KR" sz="1200" b="1" dirty="0"/>
               <a:t>Block 3</a:t>
             </a:r>
             <a:endParaRPr lang="ko-KR" altLang="en-US" sz="1200" b="1" dirty="0"/>
@@ -4995,10 +5493,34 @@
                 <a:tableStyleId>{5940675A-B579-460E-94D1-54222C63F5DA}</a:tableStyleId>
               </a:tblPr>
               <a:tblGrid>
-                <a:gridCol w="864096"/>
-                <a:gridCol w="864096"/>
-                <a:gridCol w="864096"/>
-                <a:gridCol w="864096"/>
+                <a:gridCol w="864096">
+                  <a:extLst>
+                    <a:ext uri="{9D8B030D-6E8A-4147-A177-3AD203B41FA5}">
+                      <a16:colId xmlns:a16="http://schemas.microsoft.com/office/drawing/2014/main" val="20000"/>
+                    </a:ext>
+                  </a:extLst>
+                </a:gridCol>
+                <a:gridCol w="864096">
+                  <a:extLst>
+                    <a:ext uri="{9D8B030D-6E8A-4147-A177-3AD203B41FA5}">
+                      <a16:colId xmlns:a16="http://schemas.microsoft.com/office/drawing/2014/main" val="20001"/>
+                    </a:ext>
+                  </a:extLst>
+                </a:gridCol>
+                <a:gridCol w="864096">
+                  <a:extLst>
+                    <a:ext uri="{9D8B030D-6E8A-4147-A177-3AD203B41FA5}">
+                      <a16:colId xmlns:a16="http://schemas.microsoft.com/office/drawing/2014/main" val="20002"/>
+                    </a:ext>
+                  </a:extLst>
+                </a:gridCol>
+                <a:gridCol w="864096">
+                  <a:extLst>
+                    <a:ext uri="{9D8B030D-6E8A-4147-A177-3AD203B41FA5}">
+                      <a16:colId xmlns:a16="http://schemas.microsoft.com/office/drawing/2014/main" val="20003"/>
+                    </a:ext>
+                  </a:extLst>
+                </a:gridCol>
               </a:tblGrid>
               <a:tr h="288032">
                 <a:tc>
@@ -5008,7 +5530,7 @@
                     <a:p>
                       <a:pPr algn="ctr" latinLnBrk="1"/>
                       <a:r>
-                        <a:rPr lang="en-US" altLang="ko-KR" sz="1050" dirty="0" smtClean="0"/>
+                        <a:rPr lang="en-US" altLang="ko-KR" sz="1050" dirty="0"/>
                         <a:t>28</a:t>
                       </a:r>
                       <a:endParaRPr lang="ko-KR" altLang="en-US" sz="1050" dirty="0"/>
@@ -5023,7 +5545,7 @@
                     <a:p>
                       <a:pPr algn="ctr" latinLnBrk="1"/>
                       <a:r>
-                        <a:rPr lang="en-US" altLang="ko-KR" sz="1050" dirty="0" smtClean="0"/>
+                        <a:rPr lang="en-US" altLang="ko-KR" sz="1050" dirty="0"/>
                         <a:t>34</a:t>
                       </a:r>
                       <a:endParaRPr lang="ko-KR" altLang="en-US" sz="1050" dirty="0"/>
@@ -5038,7 +5560,7 @@
                     <a:p>
                       <a:pPr algn="ctr" latinLnBrk="1"/>
                       <a:r>
-                        <a:rPr lang="en-US" altLang="ko-KR" sz="1050" dirty="0" smtClean="0"/>
+                        <a:rPr lang="en-US" altLang="ko-KR" sz="1050" dirty="0"/>
                         <a:t>12</a:t>
                       </a:r>
                       <a:endParaRPr lang="ko-KR" altLang="en-US" sz="1050" dirty="0"/>
@@ -5053,7 +5575,7 @@
                     <a:p>
                       <a:pPr algn="ctr" latinLnBrk="1"/>
                       <a:r>
-                        <a:rPr lang="en-US" altLang="ko-KR" sz="1050" dirty="0" smtClean="0"/>
+                        <a:rPr lang="en-US" altLang="ko-KR" sz="1050" dirty="0"/>
                         <a:t>27</a:t>
                       </a:r>
                       <a:endParaRPr lang="ko-KR" altLang="en-US" sz="1050" dirty="0"/>
@@ -5061,6 +5583,11 @@
                   </a:txBody>
                   <a:tcPr anchor="ctr"/>
                 </a:tc>
+                <a:extLst>
+                  <a:ext uri="{0D108BD9-81ED-4DB2-BD59-A6C34878D82A}">
+                    <a16:rowId xmlns:a16="http://schemas.microsoft.com/office/drawing/2014/main" val="10000"/>
+                  </a:ext>
+                </a:extLst>
               </a:tr>
             </a:tbl>
           </a:graphicData>
@@ -5090,10 +5617,174 @@
           <a:p>
             <a:pPr algn="ctr"/>
             <a:r>
-              <a:rPr lang="en-US" altLang="ko-KR" sz="1200" b="1" dirty="0" smtClean="0"/>
+              <a:rPr lang="en-US" altLang="ko-KR" sz="1200" b="1" dirty="0"/>
               <a:t>Block 4</a:t>
             </a:r>
             <a:endParaRPr lang="ko-KR" altLang="en-US" sz="1200" b="1" dirty="0"/>
+          </a:p>
+        </p:txBody>
+      </p:sp>
+      <p:cxnSp>
+        <p:nvCxnSpPr>
+          <p:cNvPr id="5" name="직선 화살표 연결선 4">
+            <a:extLst>
+              <a:ext uri="{FF2B5EF4-FFF2-40B4-BE49-F238E27FC236}">
+                <a16:creationId xmlns:a16="http://schemas.microsoft.com/office/drawing/2014/main" id="{382CF00D-47BA-4FD1-9AAE-7D0676919DF7}"/>
+              </a:ext>
+            </a:extLst>
+          </p:cNvPr>
+          <p:cNvCxnSpPr>
+            <a:cxnSpLocks/>
+            <a:endCxn id="10" idx="2"/>
+          </p:cNvCxnSpPr>
+          <p:nvPr/>
+        </p:nvCxnSpPr>
+        <p:spPr>
+          <a:xfrm flipV="1">
+            <a:off x="2267744" y="1779662"/>
+            <a:ext cx="2088232" cy="432048"/>
+          </a:xfrm>
+          <a:prstGeom prst="straightConnector1">
+            <a:avLst/>
+          </a:prstGeom>
+          <a:ln w="19050">
+            <a:solidFill>
+              <a:schemeClr val="tx1"/>
+            </a:solidFill>
+            <a:headEnd type="none" w="med" len="med"/>
+            <a:tailEnd type="arrow" w="med" len="med"/>
+          </a:ln>
+        </p:spPr>
+        <p:style>
+          <a:lnRef idx="1">
+            <a:schemeClr val="accent1"/>
+          </a:lnRef>
+          <a:fillRef idx="0">
+            <a:schemeClr val="accent1"/>
+          </a:fillRef>
+          <a:effectRef idx="0">
+            <a:schemeClr val="accent1"/>
+          </a:effectRef>
+          <a:fontRef idx="minor">
+            <a:schemeClr val="tx1"/>
+          </a:fontRef>
+        </p:style>
+      </p:cxnSp>
+      <p:cxnSp>
+        <p:nvCxnSpPr>
+          <p:cNvPr id="30" name="직선 화살표 연결선 29">
+            <a:extLst>
+              <a:ext uri="{FF2B5EF4-FFF2-40B4-BE49-F238E27FC236}">
+                <a16:creationId xmlns:a16="http://schemas.microsoft.com/office/drawing/2014/main" id="{A7A9E37D-AB3A-4012-BC28-24AC9C28F6F0}"/>
+              </a:ext>
+            </a:extLst>
+          </p:cNvPr>
+          <p:cNvCxnSpPr>
+            <a:cxnSpLocks/>
+            <a:endCxn id="21" idx="2"/>
+          </p:cNvCxnSpPr>
+          <p:nvPr/>
+        </p:nvCxnSpPr>
+        <p:spPr>
+          <a:xfrm>
+            <a:off x="2267744" y="3636865"/>
+            <a:ext cx="2088232" cy="375045"/>
+          </a:xfrm>
+          <a:prstGeom prst="straightConnector1">
+            <a:avLst/>
+          </a:prstGeom>
+          <a:ln w="19050">
+            <a:solidFill>
+              <a:schemeClr val="tx1"/>
+            </a:solidFill>
+            <a:headEnd type="none" w="med" len="med"/>
+            <a:tailEnd type="arrow" w="med" len="med"/>
+          </a:ln>
+        </p:spPr>
+        <p:style>
+          <a:lnRef idx="1">
+            <a:schemeClr val="accent1"/>
+          </a:lnRef>
+          <a:fillRef idx="0">
+            <a:schemeClr val="accent1"/>
+          </a:fillRef>
+          <a:effectRef idx="0">
+            <a:schemeClr val="accent1"/>
+          </a:effectRef>
+          <a:fontRef idx="minor">
+            <a:schemeClr val="tx1"/>
+          </a:fontRef>
+        </p:style>
+      </p:cxnSp>
+      <p:sp>
+        <p:nvSpPr>
+          <p:cNvPr id="31" name="TextBox 30">
+            <a:extLst>
+              <a:ext uri="{FF2B5EF4-FFF2-40B4-BE49-F238E27FC236}">
+                <a16:creationId xmlns:a16="http://schemas.microsoft.com/office/drawing/2014/main" id="{3D85DEE8-B1F2-42BB-A2B2-0C05CC12C6C4}"/>
+              </a:ext>
+            </a:extLst>
+          </p:cNvPr>
+          <p:cNvSpPr txBox="1"/>
+          <p:nvPr/>
+        </p:nvSpPr>
+        <p:spPr>
+          <a:xfrm>
+            <a:off x="2483768" y="1635646"/>
+            <a:ext cx="1343381" cy="307777"/>
+          </a:xfrm>
+          <a:prstGeom prst="rect">
+            <a:avLst/>
+          </a:prstGeom>
+          <a:noFill/>
+        </p:spPr>
+        <p:txBody>
+          <a:bodyPr wrap="none" rtlCol="0">
+            <a:spAutoFit/>
+          </a:bodyPr>
+          <a:lstStyle/>
+          <a:p>
+            <a:r>
+              <a:rPr lang="en-US" altLang="ko-KR" sz="1400" b="1"/>
+              <a:t>Row-oriented</a:t>
+            </a:r>
+            <a:endParaRPr lang="ko-KR" altLang="en-US" sz="1400" b="1"/>
+          </a:p>
+        </p:txBody>
+      </p:sp>
+      <p:sp>
+        <p:nvSpPr>
+          <p:cNvPr id="32" name="TextBox 31">
+            <a:extLst>
+              <a:ext uri="{FF2B5EF4-FFF2-40B4-BE49-F238E27FC236}">
+                <a16:creationId xmlns:a16="http://schemas.microsoft.com/office/drawing/2014/main" id="{80330B0C-C84A-4AF5-917F-307226A9AA35}"/>
+              </a:ext>
+            </a:extLst>
+          </p:cNvPr>
+          <p:cNvSpPr txBox="1"/>
+          <p:nvPr/>
+        </p:nvSpPr>
+        <p:spPr>
+          <a:xfrm>
+            <a:off x="2339752" y="3867217"/>
+            <a:ext cx="1636858" cy="307777"/>
+          </a:xfrm>
+          <a:prstGeom prst="rect">
+            <a:avLst/>
+          </a:prstGeom>
+          <a:noFill/>
+        </p:spPr>
+        <p:txBody>
+          <a:bodyPr wrap="none" rtlCol="0">
+            <a:spAutoFit/>
+          </a:bodyPr>
+          <a:lstStyle/>
+          <a:p>
+            <a:r>
+              <a:rPr lang="en-US" altLang="ko-KR" sz="1400" b="1"/>
+              <a:t>Column-oriented</a:t>
+            </a:r>
+            <a:endParaRPr lang="ko-KR" altLang="en-US" sz="1400" b="1"/>
           </a:p>
         </p:txBody>
       </p:sp>
@@ -5101,6 +5792,1620 @@
     <p:extLst>
       <p:ext uri="{BB962C8B-B14F-4D97-AF65-F5344CB8AC3E}">
         <p14:creationId xmlns:p14="http://schemas.microsoft.com/office/powerpoint/2010/main" val="680371589"/>
+      </p:ext>
+    </p:extLst>
+  </p:cSld>
+  <p:clrMapOvr>
+    <a:masterClrMapping/>
+  </p:clrMapOvr>
+</p:sld>
+</file>
+
+<file path=ppt/slides/slide2.xml><?xml version="1.0" encoding="utf-8"?>
+<p:sld xmlns:a="http://schemas.openxmlformats.org/drawingml/2006/main" xmlns:r="http://schemas.openxmlformats.org/officeDocument/2006/relationships" xmlns:p="http://schemas.openxmlformats.org/presentationml/2006/main">
+  <p:cSld>
+    <p:spTree>
+      <p:nvGrpSpPr>
+        <p:cNvPr id="1" name=""/>
+        <p:cNvGrpSpPr/>
+        <p:nvPr/>
+      </p:nvGrpSpPr>
+      <p:grpSpPr>
+        <a:xfrm>
+          <a:off x="0" y="0"/>
+          <a:ext cx="0" cy="0"/>
+          <a:chOff x="0" y="0"/>
+          <a:chExt cx="0" cy="0"/>
+        </a:xfrm>
+      </p:grpSpPr>
+      <p:sp>
+        <p:nvSpPr>
+          <p:cNvPr id="12" name="직사각형 11">
+            <a:extLst>
+              <a:ext uri="{FF2B5EF4-FFF2-40B4-BE49-F238E27FC236}">
+                <a16:creationId xmlns:a16="http://schemas.microsoft.com/office/drawing/2014/main" id="{BC7AB706-133A-44C5-8AC3-30108E797301}"/>
+              </a:ext>
+            </a:extLst>
+          </p:cNvPr>
+          <p:cNvSpPr/>
+          <p:nvPr/>
+        </p:nvSpPr>
+        <p:spPr>
+          <a:xfrm>
+            <a:off x="2123728" y="815993"/>
+            <a:ext cx="5184576" cy="1230982"/>
+          </a:xfrm>
+          <a:prstGeom prst="rect">
+            <a:avLst/>
+          </a:prstGeom>
+          <a:noFill/>
+          <a:ln w="12700">
+            <a:solidFill>
+              <a:schemeClr val="tx1"/>
+            </a:solidFill>
+          </a:ln>
+        </p:spPr>
+        <p:style>
+          <a:lnRef idx="2">
+            <a:schemeClr val="accent1">
+              <a:shade val="50000"/>
+            </a:schemeClr>
+          </a:lnRef>
+          <a:fillRef idx="1">
+            <a:schemeClr val="accent1"/>
+          </a:fillRef>
+          <a:effectRef idx="0">
+            <a:schemeClr val="accent1"/>
+          </a:effectRef>
+          <a:fontRef idx="minor">
+            <a:schemeClr val="lt1"/>
+          </a:fontRef>
+        </p:style>
+        <p:txBody>
+          <a:bodyPr rtlCol="0" anchor="ctr"/>
+          <a:lstStyle/>
+          <a:p>
+            <a:pPr algn="ctr"/>
+            <a:endParaRPr lang="ko-KR" altLang="en-US"/>
+          </a:p>
+        </p:txBody>
+      </p:sp>
+      <p:sp>
+        <p:nvSpPr>
+          <p:cNvPr id="2" name="제목 1">
+            <a:extLst>
+              <a:ext uri="{FF2B5EF4-FFF2-40B4-BE49-F238E27FC236}">
+                <a16:creationId xmlns:a16="http://schemas.microsoft.com/office/drawing/2014/main" id="{8738443D-5E72-49E2-86AC-581D61C41C39}"/>
+              </a:ext>
+            </a:extLst>
+          </p:cNvPr>
+          <p:cNvSpPr>
+            <a:spLocks noGrp="1"/>
+          </p:cNvSpPr>
+          <p:nvPr>
+            <p:ph type="title"/>
+          </p:nvPr>
+        </p:nvSpPr>
+        <p:spPr>
+          <a:xfrm>
+            <a:off x="457200" y="-92546"/>
+            <a:ext cx="8229600" cy="857250"/>
+          </a:xfrm>
+        </p:spPr>
+        <p:txBody>
+          <a:bodyPr/>
+          <a:lstStyle/>
+          <a:p>
+            <a:r>
+              <a:rPr lang="en-US" altLang="ko-KR"/>
+              <a:t>Column Family DB</a:t>
+            </a:r>
+            <a:endParaRPr lang="ko-KR" altLang="en-US" dirty="0"/>
+          </a:p>
+        </p:txBody>
+      </p:sp>
+      <p:graphicFrame>
+        <p:nvGraphicFramePr>
+          <p:cNvPr id="4" name="표 3">
+            <a:extLst>
+              <a:ext uri="{FF2B5EF4-FFF2-40B4-BE49-F238E27FC236}">
+                <a16:creationId xmlns:a16="http://schemas.microsoft.com/office/drawing/2014/main" id="{10217CA2-05B3-4000-8564-F433DDEC66E4}"/>
+              </a:ext>
+            </a:extLst>
+          </p:cNvPr>
+          <p:cNvGraphicFramePr>
+            <a:graphicFrameLocks noGrp="1"/>
+          </p:cNvGraphicFramePr>
+          <p:nvPr>
+            <p:extLst>
+              <p:ext uri="{D42A27DB-BD31-4B8C-83A1-F6EECF244321}">
+                <p14:modId xmlns:p14="http://schemas.microsoft.com/office/powerpoint/2010/main" val="3478739777"/>
+              </p:ext>
+            </p:extLst>
+          </p:nvPr>
+        </p:nvGraphicFramePr>
+        <p:xfrm>
+          <a:off x="3180184" y="966855"/>
+          <a:ext cx="1103784" cy="968505"/>
+        </p:xfrm>
+        <a:graphic>
+          <a:graphicData uri="http://schemas.openxmlformats.org/drawingml/2006/table">
+            <a:tbl>
+              <a:tblPr firstRow="1" bandRow="1">
+                <a:tableStyleId>{5940675A-B579-460E-94D1-54222C63F5DA}</a:tableStyleId>
+              </a:tblPr>
+              <a:tblGrid>
+                <a:gridCol w="1103784">
+                  <a:extLst>
+                    <a:ext uri="{9D8B030D-6E8A-4147-A177-3AD203B41FA5}">
+                      <a16:colId xmlns:a16="http://schemas.microsoft.com/office/drawing/2014/main" val="3621529464"/>
+                    </a:ext>
+                  </a:extLst>
+                </a:gridCol>
+              </a:tblGrid>
+              <a:tr h="322835">
+                <a:tc>
+                  <a:txBody>
+                    <a:bodyPr/>
+                    <a:lstStyle/>
+                    <a:p>
+                      <a:pPr algn="ctr" latinLnBrk="1"/>
+                      <a:r>
+                        <a:rPr lang="en-US" altLang="ko-KR" sz="1200" b="1"/>
+                        <a:t>Gender</a:t>
+                      </a:r>
+                      <a:endParaRPr lang="ko-KR" altLang="en-US" sz="1200" b="1"/>
+                    </a:p>
+                  </a:txBody>
+                  <a:tcPr anchor="ctr"/>
+                </a:tc>
+                <a:extLst>
+                  <a:ext uri="{0D108BD9-81ED-4DB2-BD59-A6C34878D82A}">
+                    <a16:rowId xmlns:a16="http://schemas.microsoft.com/office/drawing/2014/main" val="120737235"/>
+                  </a:ext>
+                </a:extLst>
+              </a:tr>
+              <a:tr h="322835">
+                <a:tc>
+                  <a:txBody>
+                    <a:bodyPr/>
+                    <a:lstStyle/>
+                    <a:p>
+                      <a:pPr algn="ctr" latinLnBrk="1"/>
+                      <a:r>
+                        <a:rPr lang="en-US" altLang="ko-KR" sz="1200"/>
+                        <a:t>Male</a:t>
+                      </a:r>
+                      <a:endParaRPr lang="ko-KR" altLang="en-US" sz="1200"/>
+                    </a:p>
+                  </a:txBody>
+                  <a:tcPr anchor="ctr"/>
+                </a:tc>
+                <a:extLst>
+                  <a:ext uri="{0D108BD9-81ED-4DB2-BD59-A6C34878D82A}">
+                    <a16:rowId xmlns:a16="http://schemas.microsoft.com/office/drawing/2014/main" val="2800584000"/>
+                  </a:ext>
+                </a:extLst>
+              </a:tr>
+              <a:tr h="322835">
+                <a:tc>
+                  <a:txBody>
+                    <a:bodyPr/>
+                    <a:lstStyle/>
+                    <a:p>
+                      <a:pPr algn="ctr" latinLnBrk="1"/>
+                      <a:r>
+                        <a:rPr lang="en-US" altLang="ko-KR" sz="1200"/>
+                        <a:t>1465676582</a:t>
+                      </a:r>
+                      <a:endParaRPr lang="ko-KR" altLang="en-US" sz="1200"/>
+                    </a:p>
+                  </a:txBody>
+                  <a:tcPr anchor="ctr"/>
+                </a:tc>
+                <a:extLst>
+                  <a:ext uri="{0D108BD9-81ED-4DB2-BD59-A6C34878D82A}">
+                    <a16:rowId xmlns:a16="http://schemas.microsoft.com/office/drawing/2014/main" val="3429660968"/>
+                  </a:ext>
+                </a:extLst>
+              </a:tr>
+            </a:tbl>
+          </a:graphicData>
+        </a:graphic>
+      </p:graphicFrame>
+      <p:graphicFrame>
+        <p:nvGraphicFramePr>
+          <p:cNvPr id="11" name="표 10">
+            <a:extLst>
+              <a:ext uri="{FF2B5EF4-FFF2-40B4-BE49-F238E27FC236}">
+                <a16:creationId xmlns:a16="http://schemas.microsoft.com/office/drawing/2014/main" id="{CA547854-7669-4822-98AA-857F13653DA1}"/>
+              </a:ext>
+            </a:extLst>
+          </p:cNvPr>
+          <p:cNvGraphicFramePr>
+            <a:graphicFrameLocks noGrp="1"/>
+          </p:cNvGraphicFramePr>
+          <p:nvPr>
+            <p:extLst>
+              <p:ext uri="{D42A27DB-BD31-4B8C-83A1-F6EECF244321}">
+                <p14:modId xmlns:p14="http://schemas.microsoft.com/office/powerpoint/2010/main" val="2621949389"/>
+              </p:ext>
+            </p:extLst>
+          </p:nvPr>
+        </p:nvGraphicFramePr>
+        <p:xfrm>
+          <a:off x="2267744" y="968020"/>
+          <a:ext cx="720080" cy="967339"/>
+        </p:xfrm>
+        <a:graphic>
+          <a:graphicData uri="http://schemas.openxmlformats.org/drawingml/2006/table">
+            <a:tbl>
+              <a:tblPr firstRow="1" bandRow="1">
+                <a:tableStyleId>{5940675A-B579-460E-94D1-54222C63F5DA}</a:tableStyleId>
+              </a:tblPr>
+              <a:tblGrid>
+                <a:gridCol w="720080">
+                  <a:extLst>
+                    <a:ext uri="{9D8B030D-6E8A-4147-A177-3AD203B41FA5}">
+                      <a16:colId xmlns:a16="http://schemas.microsoft.com/office/drawing/2014/main" val="2640564338"/>
+                    </a:ext>
+                  </a:extLst>
+                </a:gridCol>
+              </a:tblGrid>
+              <a:tr h="967339">
+                <a:tc>
+                  <a:txBody>
+                    <a:bodyPr/>
+                    <a:lstStyle/>
+                    <a:p>
+                      <a:pPr algn="ctr" latinLnBrk="1"/>
+                      <a:r>
+                        <a:rPr lang="en-US" altLang="ko-KR" sz="1400" b="1"/>
+                        <a:t>Son</a:t>
+                      </a:r>
+                      <a:endParaRPr lang="ko-KR" altLang="en-US" sz="1400" b="1"/>
+                    </a:p>
+                  </a:txBody>
+                  <a:tcPr anchor="ctr"/>
+                </a:tc>
+                <a:extLst>
+                  <a:ext uri="{0D108BD9-81ED-4DB2-BD59-A6C34878D82A}">
+                    <a16:rowId xmlns:a16="http://schemas.microsoft.com/office/drawing/2014/main" val="681326797"/>
+                  </a:ext>
+                </a:extLst>
+              </a:tr>
+            </a:tbl>
+          </a:graphicData>
+        </a:graphic>
+      </p:graphicFrame>
+      <p:graphicFrame>
+        <p:nvGraphicFramePr>
+          <p:cNvPr id="34" name="표 33">
+            <a:extLst>
+              <a:ext uri="{FF2B5EF4-FFF2-40B4-BE49-F238E27FC236}">
+                <a16:creationId xmlns:a16="http://schemas.microsoft.com/office/drawing/2014/main" id="{DBA3BA93-D0FB-4B02-9EB7-678638D2A575}"/>
+              </a:ext>
+            </a:extLst>
+          </p:cNvPr>
+          <p:cNvGraphicFramePr>
+            <a:graphicFrameLocks noGrp="1"/>
+          </p:cNvGraphicFramePr>
+          <p:nvPr>
+            <p:extLst>
+              <p:ext uri="{D42A27DB-BD31-4B8C-83A1-F6EECF244321}">
+                <p14:modId xmlns:p14="http://schemas.microsoft.com/office/powerpoint/2010/main" val="2682344567"/>
+              </p:ext>
+            </p:extLst>
+          </p:nvPr>
+        </p:nvGraphicFramePr>
+        <p:xfrm>
+          <a:off x="4481676" y="966855"/>
+          <a:ext cx="1103784" cy="968505"/>
+        </p:xfrm>
+        <a:graphic>
+          <a:graphicData uri="http://schemas.openxmlformats.org/drawingml/2006/table">
+            <a:tbl>
+              <a:tblPr firstRow="1" bandRow="1">
+                <a:tableStyleId>{5940675A-B579-460E-94D1-54222C63F5DA}</a:tableStyleId>
+              </a:tblPr>
+              <a:tblGrid>
+                <a:gridCol w="1103784">
+                  <a:extLst>
+                    <a:ext uri="{9D8B030D-6E8A-4147-A177-3AD203B41FA5}">
+                      <a16:colId xmlns:a16="http://schemas.microsoft.com/office/drawing/2014/main" val="3621529464"/>
+                    </a:ext>
+                  </a:extLst>
+                </a:gridCol>
+              </a:tblGrid>
+              <a:tr h="322835">
+                <a:tc>
+                  <a:txBody>
+                    <a:bodyPr/>
+                    <a:lstStyle/>
+                    <a:p>
+                      <a:pPr algn="ctr" latinLnBrk="1"/>
+                      <a:r>
+                        <a:rPr lang="en-US" altLang="ko-KR" sz="1200" b="1"/>
+                        <a:t>Age</a:t>
+                      </a:r>
+                      <a:endParaRPr lang="ko-KR" altLang="en-US" sz="1200" b="1"/>
+                    </a:p>
+                  </a:txBody>
+                  <a:tcPr anchor="ctr"/>
+                </a:tc>
+                <a:extLst>
+                  <a:ext uri="{0D108BD9-81ED-4DB2-BD59-A6C34878D82A}">
+                    <a16:rowId xmlns:a16="http://schemas.microsoft.com/office/drawing/2014/main" val="120737235"/>
+                  </a:ext>
+                </a:extLst>
+              </a:tr>
+              <a:tr h="322835">
+                <a:tc>
+                  <a:txBody>
+                    <a:bodyPr/>
+                    <a:lstStyle/>
+                    <a:p>
+                      <a:pPr algn="ctr" latinLnBrk="1"/>
+                      <a:r>
+                        <a:rPr lang="en-US" altLang="ko-KR" sz="1200"/>
+                        <a:t>24</a:t>
+                      </a:r>
+                      <a:endParaRPr lang="ko-KR" altLang="en-US" sz="1200"/>
+                    </a:p>
+                  </a:txBody>
+                  <a:tcPr anchor="ctr"/>
+                </a:tc>
+                <a:extLst>
+                  <a:ext uri="{0D108BD9-81ED-4DB2-BD59-A6C34878D82A}">
+                    <a16:rowId xmlns:a16="http://schemas.microsoft.com/office/drawing/2014/main" val="2800584000"/>
+                  </a:ext>
+                </a:extLst>
+              </a:tr>
+              <a:tr h="322835">
+                <a:tc>
+                  <a:txBody>
+                    <a:bodyPr/>
+                    <a:lstStyle/>
+                    <a:p>
+                      <a:pPr algn="ctr" latinLnBrk="1"/>
+                      <a:r>
+                        <a:rPr lang="en-US" altLang="ko-KR" sz="1200"/>
+                        <a:t>1465676582</a:t>
+                      </a:r>
+                      <a:endParaRPr lang="ko-KR" altLang="en-US" sz="1200"/>
+                    </a:p>
+                  </a:txBody>
+                  <a:tcPr anchor="ctr"/>
+                </a:tc>
+                <a:extLst>
+                  <a:ext uri="{0D108BD9-81ED-4DB2-BD59-A6C34878D82A}">
+                    <a16:rowId xmlns:a16="http://schemas.microsoft.com/office/drawing/2014/main" val="3429660968"/>
+                  </a:ext>
+                </a:extLst>
+              </a:tr>
+            </a:tbl>
+          </a:graphicData>
+        </a:graphic>
+      </p:graphicFrame>
+      <p:graphicFrame>
+        <p:nvGraphicFramePr>
+          <p:cNvPr id="35" name="표 34">
+            <a:extLst>
+              <a:ext uri="{FF2B5EF4-FFF2-40B4-BE49-F238E27FC236}">
+                <a16:creationId xmlns:a16="http://schemas.microsoft.com/office/drawing/2014/main" id="{7E6840C9-B0EE-47D3-9B9F-C83C00537C03}"/>
+              </a:ext>
+            </a:extLst>
+          </p:cNvPr>
+          <p:cNvGraphicFramePr>
+            <a:graphicFrameLocks noGrp="1"/>
+          </p:cNvGraphicFramePr>
+          <p:nvPr>
+            <p:extLst>
+              <p:ext uri="{D42A27DB-BD31-4B8C-83A1-F6EECF244321}">
+                <p14:modId xmlns:p14="http://schemas.microsoft.com/office/powerpoint/2010/main" val="4188869878"/>
+              </p:ext>
+            </p:extLst>
+          </p:nvPr>
+        </p:nvGraphicFramePr>
+        <p:xfrm>
+          <a:off x="5783168" y="966855"/>
+          <a:ext cx="1381120" cy="968505"/>
+        </p:xfrm>
+        <a:graphic>
+          <a:graphicData uri="http://schemas.openxmlformats.org/drawingml/2006/table">
+            <a:tbl>
+              <a:tblPr firstRow="1" bandRow="1">
+                <a:tableStyleId>{5940675A-B579-460E-94D1-54222C63F5DA}</a:tableStyleId>
+              </a:tblPr>
+              <a:tblGrid>
+                <a:gridCol w="1381120">
+                  <a:extLst>
+                    <a:ext uri="{9D8B030D-6E8A-4147-A177-3AD203B41FA5}">
+                      <a16:colId xmlns:a16="http://schemas.microsoft.com/office/drawing/2014/main" val="3621529464"/>
+                    </a:ext>
+                  </a:extLst>
+                </a:gridCol>
+              </a:tblGrid>
+              <a:tr h="322835">
+                <a:tc>
+                  <a:txBody>
+                    <a:bodyPr/>
+                    <a:lstStyle/>
+                    <a:p>
+                      <a:pPr algn="ctr" latinLnBrk="1"/>
+                      <a:r>
+                        <a:rPr lang="en-US" altLang="ko-KR" sz="1200" b="1"/>
+                        <a:t>Email</a:t>
+                      </a:r>
+                      <a:endParaRPr lang="ko-KR" altLang="en-US" sz="1200" b="1"/>
+                    </a:p>
+                  </a:txBody>
+                  <a:tcPr anchor="ctr"/>
+                </a:tc>
+                <a:extLst>
+                  <a:ext uri="{0D108BD9-81ED-4DB2-BD59-A6C34878D82A}">
+                    <a16:rowId xmlns:a16="http://schemas.microsoft.com/office/drawing/2014/main" val="120737235"/>
+                  </a:ext>
+                </a:extLst>
+              </a:tr>
+              <a:tr h="322835">
+                <a:tc>
+                  <a:txBody>
+                    <a:bodyPr/>
+                    <a:lstStyle/>
+                    <a:p>
+                      <a:pPr algn="ctr" latinLnBrk="1"/>
+                      <a:r>
+                        <a:rPr lang="en-US" altLang="ko-KR" sz="1200"/>
+                        <a:t>son@exam.com</a:t>
+                      </a:r>
+                      <a:endParaRPr lang="ko-KR" altLang="en-US" sz="1200"/>
+                    </a:p>
+                  </a:txBody>
+                  <a:tcPr anchor="ctr"/>
+                </a:tc>
+                <a:extLst>
+                  <a:ext uri="{0D108BD9-81ED-4DB2-BD59-A6C34878D82A}">
+                    <a16:rowId xmlns:a16="http://schemas.microsoft.com/office/drawing/2014/main" val="2800584000"/>
+                  </a:ext>
+                </a:extLst>
+              </a:tr>
+              <a:tr h="322835">
+                <a:tc>
+                  <a:txBody>
+                    <a:bodyPr/>
+                    <a:lstStyle/>
+                    <a:p>
+                      <a:pPr algn="ctr" latinLnBrk="1"/>
+                      <a:r>
+                        <a:rPr lang="en-US" altLang="ko-KR" sz="1200"/>
+                        <a:t>1465676582</a:t>
+                      </a:r>
+                      <a:endParaRPr lang="ko-KR" altLang="en-US" sz="1200"/>
+                    </a:p>
+                  </a:txBody>
+                  <a:tcPr anchor="ctr"/>
+                </a:tc>
+                <a:extLst>
+                  <a:ext uri="{0D108BD9-81ED-4DB2-BD59-A6C34878D82A}">
+                    <a16:rowId xmlns:a16="http://schemas.microsoft.com/office/drawing/2014/main" val="3429660968"/>
+                  </a:ext>
+                </a:extLst>
+              </a:tr>
+            </a:tbl>
+          </a:graphicData>
+        </a:graphic>
+      </p:graphicFrame>
+      <p:sp>
+        <p:nvSpPr>
+          <p:cNvPr id="36" name="직사각형 35">
+            <a:extLst>
+              <a:ext uri="{FF2B5EF4-FFF2-40B4-BE49-F238E27FC236}">
+                <a16:creationId xmlns:a16="http://schemas.microsoft.com/office/drawing/2014/main" id="{C9C22FB6-0002-43B4-BB68-9084C8C5F93B}"/>
+              </a:ext>
+            </a:extLst>
+          </p:cNvPr>
+          <p:cNvSpPr/>
+          <p:nvPr/>
+        </p:nvSpPr>
+        <p:spPr>
+          <a:xfrm>
+            <a:off x="2123728" y="2230508"/>
+            <a:ext cx="5184576" cy="1230982"/>
+          </a:xfrm>
+          <a:prstGeom prst="rect">
+            <a:avLst/>
+          </a:prstGeom>
+          <a:noFill/>
+          <a:ln w="12700">
+            <a:solidFill>
+              <a:schemeClr val="tx1"/>
+            </a:solidFill>
+          </a:ln>
+        </p:spPr>
+        <p:style>
+          <a:lnRef idx="2">
+            <a:schemeClr val="accent1">
+              <a:shade val="50000"/>
+            </a:schemeClr>
+          </a:lnRef>
+          <a:fillRef idx="1">
+            <a:schemeClr val="accent1"/>
+          </a:fillRef>
+          <a:effectRef idx="0">
+            <a:schemeClr val="accent1"/>
+          </a:effectRef>
+          <a:fontRef idx="minor">
+            <a:schemeClr val="lt1"/>
+          </a:fontRef>
+        </p:style>
+        <p:txBody>
+          <a:bodyPr rtlCol="0" anchor="ctr"/>
+          <a:lstStyle/>
+          <a:p>
+            <a:pPr algn="ctr"/>
+            <a:endParaRPr lang="ko-KR" altLang="en-US"/>
+          </a:p>
+        </p:txBody>
+      </p:sp>
+      <p:graphicFrame>
+        <p:nvGraphicFramePr>
+          <p:cNvPr id="37" name="표 36">
+            <a:extLst>
+              <a:ext uri="{FF2B5EF4-FFF2-40B4-BE49-F238E27FC236}">
+                <a16:creationId xmlns:a16="http://schemas.microsoft.com/office/drawing/2014/main" id="{606D3BA5-3A9F-4C51-9F60-CD33023ED703}"/>
+              </a:ext>
+            </a:extLst>
+          </p:cNvPr>
+          <p:cNvGraphicFramePr>
+            <a:graphicFrameLocks noGrp="1"/>
+          </p:cNvGraphicFramePr>
+          <p:nvPr>
+            <p:extLst>
+              <p:ext uri="{D42A27DB-BD31-4B8C-83A1-F6EECF244321}">
+                <p14:modId xmlns:p14="http://schemas.microsoft.com/office/powerpoint/2010/main" val="1128494019"/>
+              </p:ext>
+            </p:extLst>
+          </p:nvPr>
+        </p:nvGraphicFramePr>
+        <p:xfrm>
+          <a:off x="3180184" y="2381370"/>
+          <a:ext cx="1103784" cy="968505"/>
+        </p:xfrm>
+        <a:graphic>
+          <a:graphicData uri="http://schemas.openxmlformats.org/drawingml/2006/table">
+            <a:tbl>
+              <a:tblPr firstRow="1" bandRow="1">
+                <a:tableStyleId>{5940675A-B579-460E-94D1-54222C63F5DA}</a:tableStyleId>
+              </a:tblPr>
+              <a:tblGrid>
+                <a:gridCol w="1103784">
+                  <a:extLst>
+                    <a:ext uri="{9D8B030D-6E8A-4147-A177-3AD203B41FA5}">
+                      <a16:colId xmlns:a16="http://schemas.microsoft.com/office/drawing/2014/main" val="3621529464"/>
+                    </a:ext>
+                  </a:extLst>
+                </a:gridCol>
+              </a:tblGrid>
+              <a:tr h="322835">
+                <a:tc>
+                  <a:txBody>
+                    <a:bodyPr/>
+                    <a:lstStyle/>
+                    <a:p>
+                      <a:pPr algn="ctr" latinLnBrk="1"/>
+                      <a:r>
+                        <a:rPr lang="en-US" altLang="ko-KR" sz="1200" b="1"/>
+                        <a:t>Gender</a:t>
+                      </a:r>
+                      <a:endParaRPr lang="ko-KR" altLang="en-US" sz="1200" b="1"/>
+                    </a:p>
+                  </a:txBody>
+                  <a:tcPr anchor="ctr"/>
+                </a:tc>
+                <a:extLst>
+                  <a:ext uri="{0D108BD9-81ED-4DB2-BD59-A6C34878D82A}">
+                    <a16:rowId xmlns:a16="http://schemas.microsoft.com/office/drawing/2014/main" val="120737235"/>
+                  </a:ext>
+                </a:extLst>
+              </a:tr>
+              <a:tr h="322835">
+                <a:tc>
+                  <a:txBody>
+                    <a:bodyPr/>
+                    <a:lstStyle/>
+                    <a:p>
+                      <a:pPr algn="ctr" latinLnBrk="1"/>
+                      <a:r>
+                        <a:rPr lang="en-US" altLang="ko-KR" sz="1200"/>
+                        <a:t>Female</a:t>
+                      </a:r>
+                      <a:endParaRPr lang="ko-KR" altLang="en-US" sz="1200"/>
+                    </a:p>
+                  </a:txBody>
+                  <a:tcPr anchor="ctr"/>
+                </a:tc>
+                <a:extLst>
+                  <a:ext uri="{0D108BD9-81ED-4DB2-BD59-A6C34878D82A}">
+                    <a16:rowId xmlns:a16="http://schemas.microsoft.com/office/drawing/2014/main" val="2800584000"/>
+                  </a:ext>
+                </a:extLst>
+              </a:tr>
+              <a:tr h="322835">
+                <a:tc>
+                  <a:txBody>
+                    <a:bodyPr/>
+                    <a:lstStyle/>
+                    <a:p>
+                      <a:pPr algn="ctr" latinLnBrk="1"/>
+                      <a:r>
+                        <a:rPr lang="en-US" altLang="ko-KR" sz="1200"/>
+                        <a:t>1465676421</a:t>
+                      </a:r>
+                      <a:endParaRPr lang="ko-KR" altLang="en-US" sz="1200"/>
+                    </a:p>
+                  </a:txBody>
+                  <a:tcPr anchor="ctr"/>
+                </a:tc>
+                <a:extLst>
+                  <a:ext uri="{0D108BD9-81ED-4DB2-BD59-A6C34878D82A}">
+                    <a16:rowId xmlns:a16="http://schemas.microsoft.com/office/drawing/2014/main" val="3429660968"/>
+                  </a:ext>
+                </a:extLst>
+              </a:tr>
+            </a:tbl>
+          </a:graphicData>
+        </a:graphic>
+      </p:graphicFrame>
+      <p:graphicFrame>
+        <p:nvGraphicFramePr>
+          <p:cNvPr id="38" name="표 37">
+            <a:extLst>
+              <a:ext uri="{FF2B5EF4-FFF2-40B4-BE49-F238E27FC236}">
+                <a16:creationId xmlns:a16="http://schemas.microsoft.com/office/drawing/2014/main" id="{07D40DB1-CA05-466A-9CD5-B684B922E0D9}"/>
+              </a:ext>
+            </a:extLst>
+          </p:cNvPr>
+          <p:cNvGraphicFramePr>
+            <a:graphicFrameLocks noGrp="1"/>
+          </p:cNvGraphicFramePr>
+          <p:nvPr>
+            <p:extLst>
+              <p:ext uri="{D42A27DB-BD31-4B8C-83A1-F6EECF244321}">
+                <p14:modId xmlns:p14="http://schemas.microsoft.com/office/powerpoint/2010/main" val="3279323151"/>
+              </p:ext>
+            </p:extLst>
+          </p:nvPr>
+        </p:nvGraphicFramePr>
+        <p:xfrm>
+          <a:off x="2267744" y="2382535"/>
+          <a:ext cx="720080" cy="967339"/>
+        </p:xfrm>
+        <a:graphic>
+          <a:graphicData uri="http://schemas.openxmlformats.org/drawingml/2006/table">
+            <a:tbl>
+              <a:tblPr firstRow="1" bandRow="1">
+                <a:tableStyleId>{5940675A-B579-460E-94D1-54222C63F5DA}</a:tableStyleId>
+              </a:tblPr>
+              <a:tblGrid>
+                <a:gridCol w="720080">
+                  <a:extLst>
+                    <a:ext uri="{9D8B030D-6E8A-4147-A177-3AD203B41FA5}">
+                      <a16:colId xmlns:a16="http://schemas.microsoft.com/office/drawing/2014/main" val="2640564338"/>
+                    </a:ext>
+                  </a:extLst>
+                </a:gridCol>
+              </a:tblGrid>
+              <a:tr h="967339">
+                <a:tc>
+                  <a:txBody>
+                    <a:bodyPr/>
+                    <a:lstStyle/>
+                    <a:p>
+                      <a:pPr algn="ctr" latinLnBrk="1"/>
+                      <a:r>
+                        <a:rPr lang="en-US" altLang="ko-KR" sz="1400" b="1"/>
+                        <a:t>Tori</a:t>
+                      </a:r>
+                      <a:endParaRPr lang="ko-KR" altLang="en-US" sz="1400" b="1"/>
+                    </a:p>
+                  </a:txBody>
+                  <a:tcPr anchor="ctr"/>
+                </a:tc>
+                <a:extLst>
+                  <a:ext uri="{0D108BD9-81ED-4DB2-BD59-A6C34878D82A}">
+                    <a16:rowId xmlns:a16="http://schemas.microsoft.com/office/drawing/2014/main" val="681326797"/>
+                  </a:ext>
+                </a:extLst>
+              </a:tr>
+            </a:tbl>
+          </a:graphicData>
+        </a:graphic>
+      </p:graphicFrame>
+      <p:graphicFrame>
+        <p:nvGraphicFramePr>
+          <p:cNvPr id="39" name="표 38">
+            <a:extLst>
+              <a:ext uri="{FF2B5EF4-FFF2-40B4-BE49-F238E27FC236}">
+                <a16:creationId xmlns:a16="http://schemas.microsoft.com/office/drawing/2014/main" id="{1A608859-30F0-4D56-9DAA-DA3B1463215E}"/>
+              </a:ext>
+            </a:extLst>
+          </p:cNvPr>
+          <p:cNvGraphicFramePr>
+            <a:graphicFrameLocks noGrp="1"/>
+          </p:cNvGraphicFramePr>
+          <p:nvPr>
+            <p:extLst>
+              <p:ext uri="{D42A27DB-BD31-4B8C-83A1-F6EECF244321}">
+                <p14:modId xmlns:p14="http://schemas.microsoft.com/office/powerpoint/2010/main" val="3216569773"/>
+              </p:ext>
+            </p:extLst>
+          </p:nvPr>
+        </p:nvGraphicFramePr>
+        <p:xfrm>
+          <a:off x="4481676" y="2381370"/>
+          <a:ext cx="1103784" cy="968505"/>
+        </p:xfrm>
+        <a:graphic>
+          <a:graphicData uri="http://schemas.openxmlformats.org/drawingml/2006/table">
+            <a:tbl>
+              <a:tblPr firstRow="1" bandRow="1">
+                <a:tableStyleId>{5940675A-B579-460E-94D1-54222C63F5DA}</a:tableStyleId>
+              </a:tblPr>
+              <a:tblGrid>
+                <a:gridCol w="1103784">
+                  <a:extLst>
+                    <a:ext uri="{9D8B030D-6E8A-4147-A177-3AD203B41FA5}">
+                      <a16:colId xmlns:a16="http://schemas.microsoft.com/office/drawing/2014/main" val="3621529464"/>
+                    </a:ext>
+                  </a:extLst>
+                </a:gridCol>
+              </a:tblGrid>
+              <a:tr h="322835">
+                <a:tc>
+                  <a:txBody>
+                    <a:bodyPr/>
+                    <a:lstStyle/>
+                    <a:p>
+                      <a:pPr algn="ctr" latinLnBrk="1"/>
+                      <a:r>
+                        <a:rPr lang="en-US" altLang="ko-KR" sz="1200" b="1"/>
+                        <a:t>Age</a:t>
+                      </a:r>
+                      <a:endParaRPr lang="ko-KR" altLang="en-US" sz="1200" b="1"/>
+                    </a:p>
+                  </a:txBody>
+                  <a:tcPr anchor="ctr"/>
+                </a:tc>
+                <a:extLst>
+                  <a:ext uri="{0D108BD9-81ED-4DB2-BD59-A6C34878D82A}">
+                    <a16:rowId xmlns:a16="http://schemas.microsoft.com/office/drawing/2014/main" val="120737235"/>
+                  </a:ext>
+                </a:extLst>
+              </a:tr>
+              <a:tr h="322835">
+                <a:tc>
+                  <a:txBody>
+                    <a:bodyPr/>
+                    <a:lstStyle/>
+                    <a:p>
+                      <a:pPr algn="ctr" latinLnBrk="1"/>
+                      <a:r>
+                        <a:rPr lang="en-US" altLang="ko-KR" sz="1200"/>
+                        <a:t>36</a:t>
+                      </a:r>
+                      <a:endParaRPr lang="ko-KR" altLang="en-US" sz="1200"/>
+                    </a:p>
+                  </a:txBody>
+                  <a:tcPr anchor="ctr"/>
+                </a:tc>
+                <a:extLst>
+                  <a:ext uri="{0D108BD9-81ED-4DB2-BD59-A6C34878D82A}">
+                    <a16:rowId xmlns:a16="http://schemas.microsoft.com/office/drawing/2014/main" val="2800584000"/>
+                  </a:ext>
+                </a:extLst>
+              </a:tr>
+              <a:tr h="322835">
+                <a:tc>
+                  <a:txBody>
+                    <a:bodyPr/>
+                    <a:lstStyle/>
+                    <a:p>
+                      <a:pPr algn="ctr" latinLnBrk="1"/>
+                      <a:r>
+                        <a:rPr lang="en-US" altLang="ko-KR" sz="1200"/>
+                        <a:t>1465676421</a:t>
+                      </a:r>
+                      <a:endParaRPr lang="ko-KR" altLang="en-US" sz="1200"/>
+                    </a:p>
+                  </a:txBody>
+                  <a:tcPr anchor="ctr"/>
+                </a:tc>
+                <a:extLst>
+                  <a:ext uri="{0D108BD9-81ED-4DB2-BD59-A6C34878D82A}">
+                    <a16:rowId xmlns:a16="http://schemas.microsoft.com/office/drawing/2014/main" val="3429660968"/>
+                  </a:ext>
+                </a:extLst>
+              </a:tr>
+            </a:tbl>
+          </a:graphicData>
+        </a:graphic>
+      </p:graphicFrame>
+      <p:sp>
+        <p:nvSpPr>
+          <p:cNvPr id="41" name="TextBox 40">
+            <a:extLst>
+              <a:ext uri="{FF2B5EF4-FFF2-40B4-BE49-F238E27FC236}">
+                <a16:creationId xmlns:a16="http://schemas.microsoft.com/office/drawing/2014/main" id="{74B5E3D0-13AB-4056-A4CA-6A0EAF7C1193}"/>
+              </a:ext>
+            </a:extLst>
+          </p:cNvPr>
+          <p:cNvSpPr txBox="1"/>
+          <p:nvPr/>
+        </p:nvSpPr>
+        <p:spPr>
+          <a:xfrm>
+            <a:off x="1043608" y="1297218"/>
+            <a:ext cx="876971" cy="307777"/>
+          </a:xfrm>
+          <a:prstGeom prst="rect">
+            <a:avLst/>
+          </a:prstGeom>
+          <a:noFill/>
+        </p:spPr>
+        <p:txBody>
+          <a:bodyPr wrap="none" rtlCol="0">
+            <a:spAutoFit/>
+          </a:bodyPr>
+          <a:lstStyle/>
+          <a:p>
+            <a:r>
+              <a:rPr lang="en-US" altLang="ko-KR" sz="1400"/>
+              <a:t>Row Key</a:t>
+            </a:r>
+            <a:endParaRPr lang="ko-KR" altLang="en-US" sz="1400"/>
+          </a:p>
+        </p:txBody>
+      </p:sp>
+      <p:cxnSp>
+        <p:nvCxnSpPr>
+          <p:cNvPr id="43" name="직선 화살표 연결선 42">
+            <a:extLst>
+              <a:ext uri="{FF2B5EF4-FFF2-40B4-BE49-F238E27FC236}">
+                <a16:creationId xmlns:a16="http://schemas.microsoft.com/office/drawing/2014/main" id="{112D2D3F-A9EF-4965-900E-DF085A3E2615}"/>
+              </a:ext>
+            </a:extLst>
+          </p:cNvPr>
+          <p:cNvCxnSpPr>
+            <a:cxnSpLocks/>
+            <a:stCxn id="41" idx="3"/>
+            <a:endCxn id="11" idx="1"/>
+          </p:cNvCxnSpPr>
+          <p:nvPr/>
+        </p:nvCxnSpPr>
+        <p:spPr>
+          <a:xfrm>
+            <a:off x="1920579" y="1451107"/>
+            <a:ext cx="347165" cy="582"/>
+          </a:xfrm>
+          <a:prstGeom prst="straightConnector1">
+            <a:avLst/>
+          </a:prstGeom>
+          <a:ln w="28575">
+            <a:solidFill>
+              <a:schemeClr val="tx1"/>
+            </a:solidFill>
+            <a:headEnd type="none" w="med" len="med"/>
+            <a:tailEnd type="arrow" w="med" len="med"/>
+          </a:ln>
+        </p:spPr>
+        <p:style>
+          <a:lnRef idx="1">
+            <a:schemeClr val="accent1"/>
+          </a:lnRef>
+          <a:fillRef idx="0">
+            <a:schemeClr val="accent1"/>
+          </a:fillRef>
+          <a:effectRef idx="0">
+            <a:schemeClr val="accent1"/>
+          </a:effectRef>
+          <a:fontRef idx="minor">
+            <a:schemeClr val="tx1"/>
+          </a:fontRef>
+        </p:style>
+      </p:cxnSp>
+      <p:cxnSp>
+        <p:nvCxnSpPr>
+          <p:cNvPr id="46" name="직선 화살표 연결선 45">
+            <a:extLst>
+              <a:ext uri="{FF2B5EF4-FFF2-40B4-BE49-F238E27FC236}">
+                <a16:creationId xmlns:a16="http://schemas.microsoft.com/office/drawing/2014/main" id="{10E83721-1B85-48A8-B24E-B41D92E99EB6}"/>
+              </a:ext>
+            </a:extLst>
+          </p:cNvPr>
+          <p:cNvCxnSpPr>
+            <a:cxnSpLocks/>
+            <a:endCxn id="35" idx="3"/>
+          </p:cNvCxnSpPr>
+          <p:nvPr/>
+        </p:nvCxnSpPr>
+        <p:spPr>
+          <a:xfrm flipH="1">
+            <a:off x="7164288" y="1451107"/>
+            <a:ext cx="360040" cy="0"/>
+          </a:xfrm>
+          <a:prstGeom prst="straightConnector1">
+            <a:avLst/>
+          </a:prstGeom>
+          <a:ln w="28575">
+            <a:solidFill>
+              <a:schemeClr val="tx1"/>
+            </a:solidFill>
+            <a:headEnd type="none" w="med" len="med"/>
+            <a:tailEnd type="arrow" w="med" len="med"/>
+          </a:ln>
+        </p:spPr>
+        <p:style>
+          <a:lnRef idx="1">
+            <a:schemeClr val="accent1"/>
+          </a:lnRef>
+          <a:fillRef idx="0">
+            <a:schemeClr val="accent1"/>
+          </a:fillRef>
+          <a:effectRef idx="0">
+            <a:schemeClr val="accent1"/>
+          </a:effectRef>
+          <a:fontRef idx="minor">
+            <a:schemeClr val="tx1"/>
+          </a:fontRef>
+        </p:style>
+      </p:cxnSp>
+      <p:sp>
+        <p:nvSpPr>
+          <p:cNvPr id="50" name="TextBox 49">
+            <a:extLst>
+              <a:ext uri="{FF2B5EF4-FFF2-40B4-BE49-F238E27FC236}">
+                <a16:creationId xmlns:a16="http://schemas.microsoft.com/office/drawing/2014/main" id="{AC3732A6-BE3D-4E2D-A941-2D3E8A5BD2E5}"/>
+              </a:ext>
+            </a:extLst>
+          </p:cNvPr>
+          <p:cNvSpPr txBox="1"/>
+          <p:nvPr/>
+        </p:nvSpPr>
+        <p:spPr>
+          <a:xfrm>
+            <a:off x="7539020" y="1297218"/>
+            <a:ext cx="561372" cy="307777"/>
+          </a:xfrm>
+          <a:prstGeom prst="rect">
+            <a:avLst/>
+          </a:prstGeom>
+          <a:noFill/>
+        </p:spPr>
+        <p:txBody>
+          <a:bodyPr wrap="none" rtlCol="0">
+            <a:spAutoFit/>
+          </a:bodyPr>
+          <a:lstStyle/>
+          <a:p>
+            <a:r>
+              <a:rPr lang="en-US" altLang="ko-KR" sz="1400"/>
+              <a:t>Data</a:t>
+            </a:r>
+            <a:endParaRPr lang="ko-KR" altLang="en-US" sz="1400"/>
+          </a:p>
+        </p:txBody>
+      </p:sp>
+      <p:cxnSp>
+        <p:nvCxnSpPr>
+          <p:cNvPr id="51" name="직선 화살표 연결선 50">
+            <a:extLst>
+              <a:ext uri="{FF2B5EF4-FFF2-40B4-BE49-F238E27FC236}">
+                <a16:creationId xmlns:a16="http://schemas.microsoft.com/office/drawing/2014/main" id="{7DA2C1E3-6FD8-4DCC-A671-642F5CFE61B2}"/>
+              </a:ext>
+            </a:extLst>
+          </p:cNvPr>
+          <p:cNvCxnSpPr>
+            <a:cxnSpLocks/>
+          </p:cNvCxnSpPr>
+          <p:nvPr/>
+        </p:nvCxnSpPr>
+        <p:spPr>
+          <a:xfrm flipH="1">
+            <a:off x="7164288" y="1143330"/>
+            <a:ext cx="360040" cy="0"/>
+          </a:xfrm>
+          <a:prstGeom prst="straightConnector1">
+            <a:avLst/>
+          </a:prstGeom>
+          <a:ln w="28575">
+            <a:solidFill>
+              <a:schemeClr val="tx1"/>
+            </a:solidFill>
+            <a:headEnd type="none" w="med" len="med"/>
+            <a:tailEnd type="arrow" w="med" len="med"/>
+          </a:ln>
+        </p:spPr>
+        <p:style>
+          <a:lnRef idx="1">
+            <a:schemeClr val="accent1"/>
+          </a:lnRef>
+          <a:fillRef idx="0">
+            <a:schemeClr val="accent1"/>
+          </a:fillRef>
+          <a:effectRef idx="0">
+            <a:schemeClr val="accent1"/>
+          </a:effectRef>
+          <a:fontRef idx="minor">
+            <a:schemeClr val="tx1"/>
+          </a:fontRef>
+        </p:style>
+      </p:cxnSp>
+      <p:sp>
+        <p:nvSpPr>
+          <p:cNvPr id="52" name="TextBox 51">
+            <a:extLst>
+              <a:ext uri="{FF2B5EF4-FFF2-40B4-BE49-F238E27FC236}">
+                <a16:creationId xmlns:a16="http://schemas.microsoft.com/office/drawing/2014/main" id="{0849BC5D-EC53-41B2-BED1-3082A8EB26A0}"/>
+              </a:ext>
+            </a:extLst>
+          </p:cNvPr>
+          <p:cNvSpPr txBox="1"/>
+          <p:nvPr/>
+        </p:nvSpPr>
+        <p:spPr>
+          <a:xfrm>
+            <a:off x="7539020" y="989441"/>
+            <a:ext cx="1167948" cy="307777"/>
+          </a:xfrm>
+          <a:prstGeom prst="rect">
+            <a:avLst/>
+          </a:prstGeom>
+          <a:noFill/>
+        </p:spPr>
+        <p:txBody>
+          <a:bodyPr wrap="none" rtlCol="0">
+            <a:spAutoFit/>
+          </a:bodyPr>
+          <a:lstStyle/>
+          <a:p>
+            <a:r>
+              <a:rPr lang="en-US" altLang="ko-KR" sz="1400"/>
+              <a:t>Column Key</a:t>
+            </a:r>
+            <a:endParaRPr lang="ko-KR" altLang="en-US" sz="1400"/>
+          </a:p>
+        </p:txBody>
+      </p:sp>
+      <p:cxnSp>
+        <p:nvCxnSpPr>
+          <p:cNvPr id="53" name="직선 화살표 연결선 52">
+            <a:extLst>
+              <a:ext uri="{FF2B5EF4-FFF2-40B4-BE49-F238E27FC236}">
+                <a16:creationId xmlns:a16="http://schemas.microsoft.com/office/drawing/2014/main" id="{47951DEF-B408-45AB-82D9-11393425BC4A}"/>
+              </a:ext>
+            </a:extLst>
+          </p:cNvPr>
+          <p:cNvCxnSpPr>
+            <a:cxnSpLocks/>
+          </p:cNvCxnSpPr>
+          <p:nvPr/>
+        </p:nvCxnSpPr>
+        <p:spPr>
+          <a:xfrm flipH="1">
+            <a:off x="7164288" y="1781471"/>
+            <a:ext cx="360040" cy="0"/>
+          </a:xfrm>
+          <a:prstGeom prst="straightConnector1">
+            <a:avLst/>
+          </a:prstGeom>
+          <a:ln w="28575">
+            <a:solidFill>
+              <a:schemeClr val="tx1"/>
+            </a:solidFill>
+            <a:headEnd type="none" w="med" len="med"/>
+            <a:tailEnd type="arrow" w="med" len="med"/>
+          </a:ln>
+        </p:spPr>
+        <p:style>
+          <a:lnRef idx="1">
+            <a:schemeClr val="accent1"/>
+          </a:lnRef>
+          <a:fillRef idx="0">
+            <a:schemeClr val="accent1"/>
+          </a:fillRef>
+          <a:effectRef idx="0">
+            <a:schemeClr val="accent1"/>
+          </a:effectRef>
+          <a:fontRef idx="minor">
+            <a:schemeClr val="tx1"/>
+          </a:fontRef>
+        </p:style>
+      </p:cxnSp>
+      <p:sp>
+        <p:nvSpPr>
+          <p:cNvPr id="54" name="TextBox 53">
+            <a:extLst>
+              <a:ext uri="{FF2B5EF4-FFF2-40B4-BE49-F238E27FC236}">
+                <a16:creationId xmlns:a16="http://schemas.microsoft.com/office/drawing/2014/main" id="{647E8CA4-2BF0-4C6F-8698-E4FE8CB4C03F}"/>
+              </a:ext>
+            </a:extLst>
+          </p:cNvPr>
+          <p:cNvSpPr txBox="1"/>
+          <p:nvPr/>
+        </p:nvSpPr>
+        <p:spPr>
+          <a:xfrm>
+            <a:off x="7539020" y="1627582"/>
+            <a:ext cx="1156279" cy="307777"/>
+          </a:xfrm>
+          <a:prstGeom prst="rect">
+            <a:avLst/>
+          </a:prstGeom>
+          <a:noFill/>
+        </p:spPr>
+        <p:txBody>
+          <a:bodyPr wrap="none" rtlCol="0">
+            <a:spAutoFit/>
+          </a:bodyPr>
+          <a:lstStyle/>
+          <a:p>
+            <a:r>
+              <a:rPr lang="en-US" altLang="ko-KR" sz="1400"/>
+              <a:t>Time Stamp</a:t>
+            </a:r>
+            <a:endParaRPr lang="ko-KR" altLang="en-US" sz="1400"/>
+          </a:p>
+        </p:txBody>
+      </p:sp>
+      <p:sp>
+        <p:nvSpPr>
+          <p:cNvPr id="55" name="직사각형 54">
+            <a:extLst>
+              <a:ext uri="{FF2B5EF4-FFF2-40B4-BE49-F238E27FC236}">
+                <a16:creationId xmlns:a16="http://schemas.microsoft.com/office/drawing/2014/main" id="{C17AF0AC-EB8D-4FDB-AAD4-7FB92C68D819}"/>
+              </a:ext>
+            </a:extLst>
+          </p:cNvPr>
+          <p:cNvSpPr/>
+          <p:nvPr/>
+        </p:nvSpPr>
+        <p:spPr>
+          <a:xfrm>
+            <a:off x="2123728" y="3645024"/>
+            <a:ext cx="5184576" cy="1230982"/>
+          </a:xfrm>
+          <a:prstGeom prst="rect">
+            <a:avLst/>
+          </a:prstGeom>
+          <a:noFill/>
+          <a:ln w="12700">
+            <a:solidFill>
+              <a:schemeClr val="tx1"/>
+            </a:solidFill>
+          </a:ln>
+        </p:spPr>
+        <p:style>
+          <a:lnRef idx="2">
+            <a:schemeClr val="accent1">
+              <a:shade val="50000"/>
+            </a:schemeClr>
+          </a:lnRef>
+          <a:fillRef idx="1">
+            <a:schemeClr val="accent1"/>
+          </a:fillRef>
+          <a:effectRef idx="0">
+            <a:schemeClr val="accent1"/>
+          </a:effectRef>
+          <a:fontRef idx="minor">
+            <a:schemeClr val="lt1"/>
+          </a:fontRef>
+        </p:style>
+        <p:txBody>
+          <a:bodyPr rtlCol="0" anchor="ctr"/>
+          <a:lstStyle/>
+          <a:p>
+            <a:pPr algn="ctr"/>
+            <a:endParaRPr lang="ko-KR" altLang="en-US"/>
+          </a:p>
+        </p:txBody>
+      </p:sp>
+      <p:graphicFrame>
+        <p:nvGraphicFramePr>
+          <p:cNvPr id="56" name="표 55">
+            <a:extLst>
+              <a:ext uri="{FF2B5EF4-FFF2-40B4-BE49-F238E27FC236}">
+                <a16:creationId xmlns:a16="http://schemas.microsoft.com/office/drawing/2014/main" id="{1ABFEDA1-A139-40E8-9473-511ECC7F313B}"/>
+              </a:ext>
+            </a:extLst>
+          </p:cNvPr>
+          <p:cNvGraphicFramePr>
+            <a:graphicFrameLocks noGrp="1"/>
+          </p:cNvGraphicFramePr>
+          <p:nvPr>
+            <p:extLst>
+              <p:ext uri="{D42A27DB-BD31-4B8C-83A1-F6EECF244321}">
+                <p14:modId xmlns:p14="http://schemas.microsoft.com/office/powerpoint/2010/main" val="1499296872"/>
+              </p:ext>
+            </p:extLst>
+          </p:nvPr>
+        </p:nvGraphicFramePr>
+        <p:xfrm>
+          <a:off x="3180184" y="3795886"/>
+          <a:ext cx="1103784" cy="968505"/>
+        </p:xfrm>
+        <a:graphic>
+          <a:graphicData uri="http://schemas.openxmlformats.org/drawingml/2006/table">
+            <a:tbl>
+              <a:tblPr firstRow="1" bandRow="1">
+                <a:tableStyleId>{5940675A-B579-460E-94D1-54222C63F5DA}</a:tableStyleId>
+              </a:tblPr>
+              <a:tblGrid>
+                <a:gridCol w="1103784">
+                  <a:extLst>
+                    <a:ext uri="{9D8B030D-6E8A-4147-A177-3AD203B41FA5}">
+                      <a16:colId xmlns:a16="http://schemas.microsoft.com/office/drawing/2014/main" val="3621529464"/>
+                    </a:ext>
+                  </a:extLst>
+                </a:gridCol>
+              </a:tblGrid>
+              <a:tr h="322835">
+                <a:tc>
+                  <a:txBody>
+                    <a:bodyPr/>
+                    <a:lstStyle/>
+                    <a:p>
+                      <a:pPr algn="ctr" latinLnBrk="1"/>
+                      <a:r>
+                        <a:rPr lang="en-US" altLang="ko-KR" sz="1200" b="1"/>
+                        <a:t>Gender</a:t>
+                      </a:r>
+                      <a:endParaRPr lang="ko-KR" altLang="en-US" sz="1200" b="1"/>
+                    </a:p>
+                  </a:txBody>
+                  <a:tcPr anchor="ctr"/>
+                </a:tc>
+                <a:extLst>
+                  <a:ext uri="{0D108BD9-81ED-4DB2-BD59-A6C34878D82A}">
+                    <a16:rowId xmlns:a16="http://schemas.microsoft.com/office/drawing/2014/main" val="120737235"/>
+                  </a:ext>
+                </a:extLst>
+              </a:tr>
+              <a:tr h="322835">
+                <a:tc>
+                  <a:txBody>
+                    <a:bodyPr/>
+                    <a:lstStyle/>
+                    <a:p>
+                      <a:pPr algn="ctr" latinLnBrk="1"/>
+                      <a:r>
+                        <a:rPr lang="en-US" altLang="ko-KR" sz="1200"/>
+                        <a:t>Mail</a:t>
+                      </a:r>
+                      <a:endParaRPr lang="ko-KR" altLang="en-US" sz="1200"/>
+                    </a:p>
+                  </a:txBody>
+                  <a:tcPr anchor="ctr"/>
+                </a:tc>
+                <a:extLst>
+                  <a:ext uri="{0D108BD9-81ED-4DB2-BD59-A6C34878D82A}">
+                    <a16:rowId xmlns:a16="http://schemas.microsoft.com/office/drawing/2014/main" val="2800584000"/>
+                  </a:ext>
+                </a:extLst>
+              </a:tr>
+              <a:tr h="322835">
+                <a:tc>
+                  <a:txBody>
+                    <a:bodyPr/>
+                    <a:lstStyle/>
+                    <a:p>
+                      <a:pPr algn="ctr" latinLnBrk="1"/>
+                      <a:r>
+                        <a:rPr lang="en-US" altLang="ko-KR" sz="1200"/>
+                        <a:t>1465672451</a:t>
+                      </a:r>
+                      <a:endParaRPr lang="ko-KR" altLang="en-US" sz="1200"/>
+                    </a:p>
+                  </a:txBody>
+                  <a:tcPr anchor="ctr"/>
+                </a:tc>
+                <a:extLst>
+                  <a:ext uri="{0D108BD9-81ED-4DB2-BD59-A6C34878D82A}">
+                    <a16:rowId xmlns:a16="http://schemas.microsoft.com/office/drawing/2014/main" val="3429660968"/>
+                  </a:ext>
+                </a:extLst>
+              </a:tr>
+            </a:tbl>
+          </a:graphicData>
+        </a:graphic>
+      </p:graphicFrame>
+      <p:graphicFrame>
+        <p:nvGraphicFramePr>
+          <p:cNvPr id="57" name="표 56">
+            <a:extLst>
+              <a:ext uri="{FF2B5EF4-FFF2-40B4-BE49-F238E27FC236}">
+                <a16:creationId xmlns:a16="http://schemas.microsoft.com/office/drawing/2014/main" id="{C0612AC1-9EC3-4137-8B85-B82BC0949607}"/>
+              </a:ext>
+            </a:extLst>
+          </p:cNvPr>
+          <p:cNvGraphicFramePr>
+            <a:graphicFrameLocks noGrp="1"/>
+          </p:cNvGraphicFramePr>
+          <p:nvPr>
+            <p:extLst>
+              <p:ext uri="{D42A27DB-BD31-4B8C-83A1-F6EECF244321}">
+                <p14:modId xmlns:p14="http://schemas.microsoft.com/office/powerpoint/2010/main" val="3326431406"/>
+              </p:ext>
+            </p:extLst>
+          </p:nvPr>
+        </p:nvGraphicFramePr>
+        <p:xfrm>
+          <a:off x="2267744" y="3797051"/>
+          <a:ext cx="720080" cy="967339"/>
+        </p:xfrm>
+        <a:graphic>
+          <a:graphicData uri="http://schemas.openxmlformats.org/drawingml/2006/table">
+            <a:tbl>
+              <a:tblPr firstRow="1" bandRow="1">
+                <a:tableStyleId>{5940675A-B579-460E-94D1-54222C63F5DA}</a:tableStyleId>
+              </a:tblPr>
+              <a:tblGrid>
+                <a:gridCol w="720080">
+                  <a:extLst>
+                    <a:ext uri="{9D8B030D-6E8A-4147-A177-3AD203B41FA5}">
+                      <a16:colId xmlns:a16="http://schemas.microsoft.com/office/drawing/2014/main" val="2640564338"/>
+                    </a:ext>
+                  </a:extLst>
+                </a:gridCol>
+              </a:tblGrid>
+              <a:tr h="967339">
+                <a:tc>
+                  <a:txBody>
+                    <a:bodyPr/>
+                    <a:lstStyle/>
+                    <a:p>
+                      <a:pPr algn="ctr" latinLnBrk="1"/>
+                      <a:r>
+                        <a:rPr lang="en-US" altLang="ko-KR" sz="1400" b="1"/>
+                        <a:t>John</a:t>
+                      </a:r>
+                      <a:endParaRPr lang="ko-KR" altLang="en-US" sz="1400" b="1"/>
+                    </a:p>
+                  </a:txBody>
+                  <a:tcPr anchor="ctr"/>
+                </a:tc>
+                <a:extLst>
+                  <a:ext uri="{0D108BD9-81ED-4DB2-BD59-A6C34878D82A}">
+                    <a16:rowId xmlns:a16="http://schemas.microsoft.com/office/drawing/2014/main" val="681326797"/>
+                  </a:ext>
+                </a:extLst>
+              </a:tr>
+            </a:tbl>
+          </a:graphicData>
+        </a:graphic>
+      </p:graphicFrame>
+      <p:graphicFrame>
+        <p:nvGraphicFramePr>
+          <p:cNvPr id="58" name="표 57">
+            <a:extLst>
+              <a:ext uri="{FF2B5EF4-FFF2-40B4-BE49-F238E27FC236}">
+                <a16:creationId xmlns:a16="http://schemas.microsoft.com/office/drawing/2014/main" id="{7FC0487E-0C9B-47F8-BEF4-8CC4CDE39CFD}"/>
+              </a:ext>
+            </a:extLst>
+          </p:cNvPr>
+          <p:cNvGraphicFramePr>
+            <a:graphicFrameLocks noGrp="1"/>
+          </p:cNvGraphicFramePr>
+          <p:nvPr>
+            <p:extLst>
+              <p:ext uri="{D42A27DB-BD31-4B8C-83A1-F6EECF244321}">
+                <p14:modId xmlns:p14="http://schemas.microsoft.com/office/powerpoint/2010/main" val="2107023723"/>
+              </p:ext>
+            </p:extLst>
+          </p:nvPr>
+        </p:nvGraphicFramePr>
+        <p:xfrm>
+          <a:off x="4481676" y="3795886"/>
+          <a:ext cx="1103784" cy="968505"/>
+        </p:xfrm>
+        <a:graphic>
+          <a:graphicData uri="http://schemas.openxmlformats.org/drawingml/2006/table">
+            <a:tbl>
+              <a:tblPr firstRow="1" bandRow="1">
+                <a:tableStyleId>{5940675A-B579-460E-94D1-54222C63F5DA}</a:tableStyleId>
+              </a:tblPr>
+              <a:tblGrid>
+                <a:gridCol w="1103784">
+                  <a:extLst>
+                    <a:ext uri="{9D8B030D-6E8A-4147-A177-3AD203B41FA5}">
+                      <a16:colId xmlns:a16="http://schemas.microsoft.com/office/drawing/2014/main" val="3621529464"/>
+                    </a:ext>
+                  </a:extLst>
+                </a:gridCol>
+              </a:tblGrid>
+              <a:tr h="322835">
+                <a:tc>
+                  <a:txBody>
+                    <a:bodyPr/>
+                    <a:lstStyle/>
+                    <a:p>
+                      <a:pPr algn="ctr" latinLnBrk="1"/>
+                      <a:r>
+                        <a:rPr lang="en-US" altLang="ko-KR" sz="1200" b="1"/>
+                        <a:t>Age</a:t>
+                      </a:r>
+                      <a:endParaRPr lang="ko-KR" altLang="en-US" sz="1200" b="1"/>
+                    </a:p>
+                  </a:txBody>
+                  <a:tcPr anchor="ctr"/>
+                </a:tc>
+                <a:extLst>
+                  <a:ext uri="{0D108BD9-81ED-4DB2-BD59-A6C34878D82A}">
+                    <a16:rowId xmlns:a16="http://schemas.microsoft.com/office/drawing/2014/main" val="120737235"/>
+                  </a:ext>
+                </a:extLst>
+              </a:tr>
+              <a:tr h="322835">
+                <a:tc>
+                  <a:txBody>
+                    <a:bodyPr/>
+                    <a:lstStyle/>
+                    <a:p>
+                      <a:pPr algn="ctr" latinLnBrk="1"/>
+                      <a:r>
+                        <a:rPr lang="en-US" altLang="ko-KR" sz="1200"/>
+                        <a:t>36</a:t>
+                      </a:r>
+                      <a:endParaRPr lang="ko-KR" altLang="en-US" sz="1200"/>
+                    </a:p>
+                  </a:txBody>
+                  <a:tcPr anchor="ctr"/>
+                </a:tc>
+                <a:extLst>
+                  <a:ext uri="{0D108BD9-81ED-4DB2-BD59-A6C34878D82A}">
+                    <a16:rowId xmlns:a16="http://schemas.microsoft.com/office/drawing/2014/main" val="2800584000"/>
+                  </a:ext>
+                </a:extLst>
+              </a:tr>
+              <a:tr h="322835">
+                <a:tc>
+                  <a:txBody>
+                    <a:bodyPr/>
+                    <a:lstStyle/>
+                    <a:p>
+                      <a:pPr algn="ctr" latinLnBrk="1"/>
+                      <a:r>
+                        <a:rPr lang="en-US" altLang="ko-KR" sz="1200"/>
+                        <a:t>1465672451</a:t>
+                      </a:r>
+                      <a:endParaRPr lang="ko-KR" altLang="en-US" sz="1200"/>
+                    </a:p>
+                  </a:txBody>
+                  <a:tcPr anchor="ctr"/>
+                </a:tc>
+                <a:extLst>
+                  <a:ext uri="{0D108BD9-81ED-4DB2-BD59-A6C34878D82A}">
+                    <a16:rowId xmlns:a16="http://schemas.microsoft.com/office/drawing/2014/main" val="3429660968"/>
+                  </a:ext>
+                </a:extLst>
+              </a:tr>
+            </a:tbl>
+          </a:graphicData>
+        </a:graphic>
+      </p:graphicFrame>
+      <p:graphicFrame>
+        <p:nvGraphicFramePr>
+          <p:cNvPr id="59" name="표 58">
+            <a:extLst>
+              <a:ext uri="{FF2B5EF4-FFF2-40B4-BE49-F238E27FC236}">
+                <a16:creationId xmlns:a16="http://schemas.microsoft.com/office/drawing/2014/main" id="{01DB83BB-3E9D-45EB-ACE5-1F5462C44C69}"/>
+              </a:ext>
+            </a:extLst>
+          </p:cNvPr>
+          <p:cNvGraphicFramePr>
+            <a:graphicFrameLocks noGrp="1"/>
+          </p:cNvGraphicFramePr>
+          <p:nvPr>
+            <p:extLst>
+              <p:ext uri="{D42A27DB-BD31-4B8C-83A1-F6EECF244321}">
+                <p14:modId xmlns:p14="http://schemas.microsoft.com/office/powerpoint/2010/main" val="3540861887"/>
+              </p:ext>
+            </p:extLst>
+          </p:nvPr>
+        </p:nvGraphicFramePr>
+        <p:xfrm>
+          <a:off x="5783168" y="3795886"/>
+          <a:ext cx="1381120" cy="968505"/>
+        </p:xfrm>
+        <a:graphic>
+          <a:graphicData uri="http://schemas.openxmlformats.org/drawingml/2006/table">
+            <a:tbl>
+              <a:tblPr firstRow="1" bandRow="1">
+                <a:tableStyleId>{5940675A-B579-460E-94D1-54222C63F5DA}</a:tableStyleId>
+              </a:tblPr>
+              <a:tblGrid>
+                <a:gridCol w="1381120">
+                  <a:extLst>
+                    <a:ext uri="{9D8B030D-6E8A-4147-A177-3AD203B41FA5}">
+                      <a16:colId xmlns:a16="http://schemas.microsoft.com/office/drawing/2014/main" val="3621529464"/>
+                    </a:ext>
+                  </a:extLst>
+                </a:gridCol>
+              </a:tblGrid>
+              <a:tr h="322835">
+                <a:tc>
+                  <a:txBody>
+                    <a:bodyPr/>
+                    <a:lstStyle/>
+                    <a:p>
+                      <a:pPr algn="ctr" latinLnBrk="1"/>
+                      <a:r>
+                        <a:rPr lang="en-US" altLang="ko-KR" sz="1200" b="1"/>
+                        <a:t>Country</a:t>
+                      </a:r>
+                      <a:endParaRPr lang="ko-KR" altLang="en-US" sz="1200" b="1"/>
+                    </a:p>
+                  </a:txBody>
+                  <a:tcPr anchor="ctr"/>
+                </a:tc>
+                <a:extLst>
+                  <a:ext uri="{0D108BD9-81ED-4DB2-BD59-A6C34878D82A}">
+                    <a16:rowId xmlns:a16="http://schemas.microsoft.com/office/drawing/2014/main" val="120737235"/>
+                  </a:ext>
+                </a:extLst>
+              </a:tr>
+              <a:tr h="322835">
+                <a:tc>
+                  <a:txBody>
+                    <a:bodyPr/>
+                    <a:lstStyle/>
+                    <a:p>
+                      <a:pPr algn="ctr" latinLnBrk="1"/>
+                      <a:r>
+                        <a:rPr lang="en-US" altLang="ko-KR" sz="1200"/>
+                        <a:t>korea</a:t>
+                      </a:r>
+                      <a:endParaRPr lang="ko-KR" altLang="en-US" sz="1200"/>
+                    </a:p>
+                  </a:txBody>
+                  <a:tcPr anchor="ctr"/>
+                </a:tc>
+                <a:extLst>
+                  <a:ext uri="{0D108BD9-81ED-4DB2-BD59-A6C34878D82A}">
+                    <a16:rowId xmlns:a16="http://schemas.microsoft.com/office/drawing/2014/main" val="2800584000"/>
+                  </a:ext>
+                </a:extLst>
+              </a:tr>
+              <a:tr h="322835">
+                <a:tc>
+                  <a:txBody>
+                    <a:bodyPr/>
+                    <a:lstStyle/>
+                    <a:p>
+                      <a:pPr algn="ctr" latinLnBrk="1"/>
+                      <a:r>
+                        <a:rPr lang="en-US" altLang="ko-KR" sz="1200"/>
+                        <a:t>146564512</a:t>
+                      </a:r>
+                      <a:endParaRPr lang="ko-KR" altLang="en-US" sz="1200"/>
+                    </a:p>
+                  </a:txBody>
+                  <a:tcPr anchor="ctr"/>
+                </a:tc>
+                <a:extLst>
+                  <a:ext uri="{0D108BD9-81ED-4DB2-BD59-A6C34878D82A}">
+                    <a16:rowId xmlns:a16="http://schemas.microsoft.com/office/drawing/2014/main" val="3429660968"/>
+                  </a:ext>
+                </a:extLst>
+              </a:tr>
+            </a:tbl>
+          </a:graphicData>
+        </a:graphic>
+      </p:graphicFrame>
+    </p:spTree>
+    <p:extLst>
+      <p:ext uri="{BB962C8B-B14F-4D97-AF65-F5344CB8AC3E}">
+        <p14:creationId xmlns:p14="http://schemas.microsoft.com/office/powerpoint/2010/main" val="1039147197"/>
       </p:ext>
     </p:extLst>
   </p:cSld>

--- a/images/theory_analysis/NoSQL_Column-oriented_Column_Family_DB/NoSQL_Column-oriented_Column_Family_DB.pptx
+++ b/images/theory_analysis/NoSQL_Column-oriented_Column_Family_DB/NoSQL_Column-oriented_Column_Family_DB.pptx
@@ -3574,7 +3574,7 @@
         </p:nvSpPr>
         <p:spPr>
           <a:xfrm>
-            <a:off x="457200" y="-92546"/>
+            <a:off x="457200" y="-164554"/>
             <a:ext cx="8229600" cy="857250"/>
           </a:xfrm>
         </p:spPr>
@@ -3599,13 +3599,13 @@
           <p:nvPr>
             <p:extLst>
               <p:ext uri="{D42A27DB-BD31-4B8C-83A1-F6EECF244321}">
-                <p14:modId xmlns:p14="http://schemas.microsoft.com/office/powerpoint/2010/main" val="269994715"/>
+                <p14:modId xmlns:p14="http://schemas.microsoft.com/office/powerpoint/2010/main" val="1094087553"/>
               </p:ext>
             </p:extLst>
           </p:nvPr>
         </p:nvGraphicFramePr>
         <p:xfrm>
-          <a:off x="395536" y="2211710"/>
+          <a:off x="395536" y="2139702"/>
           <a:ext cx="936104" cy="1425155"/>
         </p:xfrm>
         <a:graphic>
@@ -3750,13 +3750,13 @@
           <p:nvPr>
             <p:extLst>
               <p:ext uri="{D42A27DB-BD31-4B8C-83A1-F6EECF244321}">
-                <p14:modId xmlns:p14="http://schemas.microsoft.com/office/powerpoint/2010/main" val="1507683838"/>
+                <p14:modId xmlns:p14="http://schemas.microsoft.com/office/powerpoint/2010/main" val="1585477405"/>
               </p:ext>
             </p:extLst>
           </p:nvPr>
         </p:nvGraphicFramePr>
         <p:xfrm>
-          <a:off x="1331640" y="2211710"/>
+          <a:off x="1331640" y="2139702"/>
           <a:ext cx="936104" cy="1425155"/>
         </p:xfrm>
         <a:graphic>
@@ -3897,13 +3897,13 @@
           <p:nvPr>
             <p:extLst>
               <p:ext uri="{D42A27DB-BD31-4B8C-83A1-F6EECF244321}">
-                <p14:modId xmlns:p14="http://schemas.microsoft.com/office/powerpoint/2010/main" val="1501853884"/>
+                <p14:modId xmlns:p14="http://schemas.microsoft.com/office/powerpoint/2010/main" val="2254768062"/>
               </p:ext>
             </p:extLst>
           </p:nvPr>
         </p:nvGraphicFramePr>
         <p:xfrm>
-          <a:off x="2267744" y="2211710"/>
+          <a:off x="2267744" y="2139702"/>
           <a:ext cx="1008112" cy="1425155"/>
         </p:xfrm>
         <a:graphic>
@@ -4056,13 +4056,13 @@
           <p:nvPr>
             <p:extLst>
               <p:ext uri="{D42A27DB-BD31-4B8C-83A1-F6EECF244321}">
-                <p14:modId xmlns:p14="http://schemas.microsoft.com/office/powerpoint/2010/main" val="4153506716"/>
+                <p14:modId xmlns:p14="http://schemas.microsoft.com/office/powerpoint/2010/main" val="3972763097"/>
               </p:ext>
             </p:extLst>
           </p:nvPr>
         </p:nvGraphicFramePr>
         <p:xfrm>
-          <a:off x="3275856" y="2211710"/>
+          <a:off x="3275856" y="2139702"/>
           <a:ext cx="720080" cy="1425155"/>
         </p:xfrm>
         <a:graphic>
@@ -4202,7 +4202,7 @@
         </p:nvSpPr>
         <p:spPr>
           <a:xfrm>
-            <a:off x="4355976" y="699542"/>
+            <a:off x="4355976" y="627534"/>
             <a:ext cx="4320480" cy="2160240"/>
           </a:xfrm>
           <a:prstGeom prst="can">
@@ -4244,13 +4244,13 @@
           <p:nvPr>
             <p:extLst>
               <p:ext uri="{D42A27DB-BD31-4B8C-83A1-F6EECF244321}">
-                <p14:modId xmlns:p14="http://schemas.microsoft.com/office/powerpoint/2010/main" val="2960107577"/>
+                <p14:modId xmlns:p14="http://schemas.microsoft.com/office/powerpoint/2010/main" val="1258108324"/>
               </p:ext>
             </p:extLst>
           </p:nvPr>
         </p:nvGraphicFramePr>
         <p:xfrm>
-          <a:off x="5076056" y="1059582"/>
+          <a:off x="5076056" y="987574"/>
           <a:ext cx="3456384" cy="288032"/>
         </p:xfrm>
         <a:graphic>
@@ -4369,13 +4369,13 @@
           <p:nvPr>
             <p:extLst>
               <p:ext uri="{D42A27DB-BD31-4B8C-83A1-F6EECF244321}">
-                <p14:modId xmlns:p14="http://schemas.microsoft.com/office/powerpoint/2010/main" val="2195759403"/>
+                <p14:modId xmlns:p14="http://schemas.microsoft.com/office/powerpoint/2010/main" val="2072778566"/>
               </p:ext>
             </p:extLst>
           </p:nvPr>
         </p:nvGraphicFramePr>
         <p:xfrm>
-          <a:off x="5076056" y="1491630"/>
+          <a:off x="5076056" y="1419622"/>
           <a:ext cx="3456384" cy="288032"/>
         </p:xfrm>
         <a:graphic>
@@ -4498,13 +4498,13 @@
           <p:nvPr>
             <p:extLst>
               <p:ext uri="{D42A27DB-BD31-4B8C-83A1-F6EECF244321}">
-                <p14:modId xmlns:p14="http://schemas.microsoft.com/office/powerpoint/2010/main" val="1860595820"/>
+                <p14:modId xmlns:p14="http://schemas.microsoft.com/office/powerpoint/2010/main" val="2673968612"/>
               </p:ext>
             </p:extLst>
           </p:nvPr>
         </p:nvGraphicFramePr>
         <p:xfrm>
-          <a:off x="5076056" y="1923678"/>
+          <a:off x="5076056" y="1851670"/>
           <a:ext cx="3456384" cy="288032"/>
         </p:xfrm>
         <a:graphic>
@@ -4626,7 +4626,7 @@
         </p:nvSpPr>
         <p:spPr>
           <a:xfrm>
-            <a:off x="4242850" y="1074971"/>
+            <a:off x="4242850" y="1002963"/>
             <a:ext cx="936104" cy="276999"/>
           </a:xfrm>
           <a:prstGeom prst="rect">
@@ -4657,7 +4657,7 @@
         </p:nvSpPr>
         <p:spPr>
           <a:xfrm>
-            <a:off x="4242850" y="1491630"/>
+            <a:off x="4242850" y="1419622"/>
             <a:ext cx="936104" cy="276999"/>
           </a:xfrm>
           <a:prstGeom prst="rect">
@@ -4688,7 +4688,7 @@
         </p:nvSpPr>
         <p:spPr>
           <a:xfrm>
-            <a:off x="4242850" y="1923678"/>
+            <a:off x="4242850" y="1851670"/>
             <a:ext cx="936104" cy="276999"/>
           </a:xfrm>
           <a:prstGeom prst="rect">
@@ -4720,13 +4720,13 @@
           <p:nvPr>
             <p:extLst>
               <p:ext uri="{D42A27DB-BD31-4B8C-83A1-F6EECF244321}">
-                <p14:modId xmlns:p14="http://schemas.microsoft.com/office/powerpoint/2010/main" val="1551148028"/>
+                <p14:modId xmlns:p14="http://schemas.microsoft.com/office/powerpoint/2010/main" val="3704113779"/>
               </p:ext>
             </p:extLst>
           </p:nvPr>
         </p:nvGraphicFramePr>
         <p:xfrm>
-          <a:off x="5076056" y="2355726"/>
+          <a:off x="5076056" y="2283718"/>
           <a:ext cx="3456384" cy="288032"/>
         </p:xfrm>
         <a:graphic>
@@ -4844,7 +4844,7 @@
         </p:nvSpPr>
         <p:spPr>
           <a:xfrm>
-            <a:off x="4242850" y="2355726"/>
+            <a:off x="4242850" y="2283718"/>
             <a:ext cx="936104" cy="276999"/>
           </a:xfrm>
           <a:prstGeom prst="rect">
@@ -4875,7 +4875,7 @@
         </p:nvSpPr>
         <p:spPr>
           <a:xfrm>
-            <a:off x="4355976" y="2931790"/>
+            <a:off x="4355976" y="2859782"/>
             <a:ext cx="4320480" cy="2160240"/>
           </a:xfrm>
           <a:prstGeom prst="can">
@@ -4917,13 +4917,13 @@
           <p:nvPr>
             <p:extLst>
               <p:ext uri="{D42A27DB-BD31-4B8C-83A1-F6EECF244321}">
-                <p14:modId xmlns:p14="http://schemas.microsoft.com/office/powerpoint/2010/main" val="3232316693"/>
+                <p14:modId xmlns:p14="http://schemas.microsoft.com/office/powerpoint/2010/main" val="925101393"/>
               </p:ext>
             </p:extLst>
           </p:nvPr>
         </p:nvGraphicFramePr>
         <p:xfrm>
-          <a:off x="5076056" y="3291830"/>
+          <a:off x="5076056" y="3219822"/>
           <a:ext cx="3456384" cy="288032"/>
         </p:xfrm>
         <a:graphic>
@@ -5042,13 +5042,13 @@
           <p:nvPr>
             <p:extLst>
               <p:ext uri="{D42A27DB-BD31-4B8C-83A1-F6EECF244321}">
-                <p14:modId xmlns:p14="http://schemas.microsoft.com/office/powerpoint/2010/main" val="3470930751"/>
+                <p14:modId xmlns:p14="http://schemas.microsoft.com/office/powerpoint/2010/main" val="1765873950"/>
               </p:ext>
             </p:extLst>
           </p:nvPr>
         </p:nvGraphicFramePr>
         <p:xfrm>
-          <a:off x="5076056" y="3723878"/>
+          <a:off x="5076056" y="3651870"/>
           <a:ext cx="3456384" cy="288032"/>
         </p:xfrm>
         <a:graphic>
@@ -5251,13 +5251,13 @@
           <p:nvPr>
             <p:extLst>
               <p:ext uri="{D42A27DB-BD31-4B8C-83A1-F6EECF244321}">
-                <p14:modId xmlns:p14="http://schemas.microsoft.com/office/powerpoint/2010/main" val="2899458077"/>
+                <p14:modId xmlns:p14="http://schemas.microsoft.com/office/powerpoint/2010/main" val="1464337934"/>
               </p:ext>
             </p:extLst>
           </p:nvPr>
         </p:nvGraphicFramePr>
         <p:xfrm>
-          <a:off x="5076056" y="4155926"/>
+          <a:off x="5076056" y="4083918"/>
           <a:ext cx="3456384" cy="288032"/>
         </p:xfrm>
         <a:graphic>
@@ -5383,7 +5383,7 @@
         </p:nvSpPr>
         <p:spPr>
           <a:xfrm>
-            <a:off x="4242850" y="3307219"/>
+            <a:off x="4242850" y="3235211"/>
             <a:ext cx="936104" cy="276999"/>
           </a:xfrm>
           <a:prstGeom prst="rect">
@@ -5414,7 +5414,7 @@
         </p:nvSpPr>
         <p:spPr>
           <a:xfrm>
-            <a:off x="4242850" y="3723878"/>
+            <a:off x="4242850" y="3651870"/>
             <a:ext cx="936104" cy="276999"/>
           </a:xfrm>
           <a:prstGeom prst="rect">
@@ -5445,7 +5445,7 @@
         </p:nvSpPr>
         <p:spPr>
           <a:xfrm>
-            <a:off x="4242850" y="4155926"/>
+            <a:off x="4242850" y="4083918"/>
             <a:ext cx="936104" cy="276999"/>
           </a:xfrm>
           <a:prstGeom prst="rect">
@@ -5477,13 +5477,13 @@
           <p:nvPr>
             <p:extLst>
               <p:ext uri="{D42A27DB-BD31-4B8C-83A1-F6EECF244321}">
-                <p14:modId xmlns:p14="http://schemas.microsoft.com/office/powerpoint/2010/main" val="671549206"/>
+                <p14:modId xmlns:p14="http://schemas.microsoft.com/office/powerpoint/2010/main" val="1549800243"/>
               </p:ext>
             </p:extLst>
           </p:nvPr>
         </p:nvGraphicFramePr>
         <p:xfrm>
-          <a:off x="5076056" y="4587974"/>
+          <a:off x="5076056" y="4515966"/>
           <a:ext cx="3456384" cy="288032"/>
         </p:xfrm>
         <a:graphic>
@@ -5601,7 +5601,7 @@
         </p:nvSpPr>
         <p:spPr>
           <a:xfrm>
-            <a:off x="4242850" y="4587974"/>
+            <a:off x="4242850" y="4515966"/>
             <a:ext cx="936104" cy="276999"/>
           </a:xfrm>
           <a:prstGeom prst="rect">
@@ -5641,7 +5641,7 @@
         </p:nvCxnSpPr>
         <p:spPr>
           <a:xfrm flipV="1">
-            <a:off x="2267744" y="1779662"/>
+            <a:off x="2267744" y="1707654"/>
             <a:ext cx="2088232" cy="432048"/>
           </a:xfrm>
           <a:prstGeom prst="straightConnector1">
@@ -5687,7 +5687,7 @@
         </p:nvCxnSpPr>
         <p:spPr>
           <a:xfrm>
-            <a:off x="2267744" y="3636865"/>
+            <a:off x="2267744" y="3564857"/>
             <a:ext cx="2088232" cy="375045"/>
           </a:xfrm>
           <a:prstGeom prst="straightConnector1">
@@ -5730,7 +5730,7 @@
         </p:nvSpPr>
         <p:spPr>
           <a:xfrm>
-            <a:off x="2483768" y="1635646"/>
+            <a:off x="2483768" y="1563638"/>
             <a:ext cx="1343381" cy="307777"/>
           </a:xfrm>
           <a:prstGeom prst="rect">
@@ -5766,7 +5766,7 @@
         </p:nvSpPr>
         <p:spPr>
           <a:xfrm>
-            <a:off x="2339752" y="3867217"/>
+            <a:off x="2339752" y="3795209"/>
             <a:ext cx="1636858" cy="307777"/>
           </a:xfrm>
           <a:prstGeom prst="rect">

--- a/images/theory_analysis/NoSQL_Column-oriented_Column_Family_DB/NoSQL_Column-oriented_Column_Family_DB.pptx
+++ b/images/theory_analysis/NoSQL_Column-oriented_Column_Family_DB/NoSQL_Column-oriented_Column_Family_DB.pptx
@@ -7308,7 +7308,7 @@
           <p:nvPr>
             <p:extLst>
               <p:ext uri="{D42A27DB-BD31-4B8C-83A1-F6EECF244321}">
-                <p14:modId xmlns:p14="http://schemas.microsoft.com/office/powerpoint/2010/main" val="3540861887"/>
+                <p14:modId xmlns:p14="http://schemas.microsoft.com/office/powerpoint/2010/main" val="2688161486"/>
               </p:ext>
             </p:extLst>
           </p:nvPr>
@@ -7363,7 +7363,7 @@
                       <a:pPr algn="ctr" latinLnBrk="1"/>
                       <a:r>
                         <a:rPr lang="en-US" altLang="ko-KR" sz="1200"/>
-                        <a:t>korea</a:t>
+                        <a:t>Korea</a:t>
                       </a:r>
                       <a:endParaRPr lang="ko-KR" altLang="en-US" sz="1200"/>
                     </a:p>
